--- a/presentation_pubmedkg.pptx
+++ b/presentation_pubmedkg.pptx
@@ -12,7 +12,10 @@
     <p:sldId id="260" r:id="rId6"/>
     <p:sldId id="262" r:id="rId7"/>
     <p:sldId id="263" r:id="rId8"/>
-    <p:sldId id="264" r:id="rId9"/>
+    <p:sldId id="266" r:id="rId9"/>
+    <p:sldId id="264" r:id="rId10"/>
+    <p:sldId id="267" r:id="rId11"/>
+    <p:sldId id="268" r:id="rId12"/>
   </p:sldIdLst>
   <p:sldSz cx="12192000" cy="6858000"/>
   <p:notesSz cx="6858000" cy="9144000"/>
@@ -111,6 +114,11 @@
       </a:defRPr>
     </a:lvl9pPr>
   </p:defaultTextStyle>
+  <p:extLst>
+    <p:ext uri="{EFAFB233-063F-42B5-8137-9DF3F51BA10A}">
+      <p15:sldGuideLst xmlns:p15="http://schemas.microsoft.com/office/powerpoint/2012/main"/>
+    </p:ext>
+  </p:extLst>
 </p:presentation>
 </file>
 
@@ -261,7 +269,7 @@
           <a:p>
             <a:fld id="{005309BC-9A12-7441-89B8-9E8FFBE8F5CC}" type="datetimeFigureOut">
               <a:rPr lang="en-US" smtClean="0"/>
-              <a:t>4/1/21</a:t>
+              <a:t>4/5/21</a:t>
             </a:fld>
             <a:endParaRPr lang="en-US"/>
           </a:p>
@@ -459,7 +467,7 @@
           <a:p>
             <a:fld id="{005309BC-9A12-7441-89B8-9E8FFBE8F5CC}" type="datetimeFigureOut">
               <a:rPr lang="en-US" smtClean="0"/>
-              <a:t>4/1/21</a:t>
+              <a:t>4/5/21</a:t>
             </a:fld>
             <a:endParaRPr lang="en-US"/>
           </a:p>
@@ -667,7 +675,7 @@
           <a:p>
             <a:fld id="{005309BC-9A12-7441-89B8-9E8FFBE8F5CC}" type="datetimeFigureOut">
               <a:rPr lang="en-US" smtClean="0"/>
-              <a:t>4/1/21</a:t>
+              <a:t>4/5/21</a:t>
             </a:fld>
             <a:endParaRPr lang="en-US"/>
           </a:p>
@@ -865,7 +873,7 @@
           <a:p>
             <a:fld id="{005309BC-9A12-7441-89B8-9E8FFBE8F5CC}" type="datetimeFigureOut">
               <a:rPr lang="en-US" smtClean="0"/>
-              <a:t>4/1/21</a:t>
+              <a:t>4/5/21</a:t>
             </a:fld>
             <a:endParaRPr lang="en-US"/>
           </a:p>
@@ -1140,7 +1148,7 @@
           <a:p>
             <a:fld id="{005309BC-9A12-7441-89B8-9E8FFBE8F5CC}" type="datetimeFigureOut">
               <a:rPr lang="en-US" smtClean="0"/>
-              <a:t>4/1/21</a:t>
+              <a:t>4/5/21</a:t>
             </a:fld>
             <a:endParaRPr lang="en-US"/>
           </a:p>
@@ -1405,7 +1413,7 @@
           <a:p>
             <a:fld id="{005309BC-9A12-7441-89B8-9E8FFBE8F5CC}" type="datetimeFigureOut">
               <a:rPr lang="en-US" smtClean="0"/>
-              <a:t>4/1/21</a:t>
+              <a:t>4/5/21</a:t>
             </a:fld>
             <a:endParaRPr lang="en-US"/>
           </a:p>
@@ -1817,7 +1825,7 @@
           <a:p>
             <a:fld id="{005309BC-9A12-7441-89B8-9E8FFBE8F5CC}" type="datetimeFigureOut">
               <a:rPr lang="en-US" smtClean="0"/>
-              <a:t>4/1/21</a:t>
+              <a:t>4/5/21</a:t>
             </a:fld>
             <a:endParaRPr lang="en-US"/>
           </a:p>
@@ -1958,7 +1966,7 @@
           <a:p>
             <a:fld id="{005309BC-9A12-7441-89B8-9E8FFBE8F5CC}" type="datetimeFigureOut">
               <a:rPr lang="en-US" smtClean="0"/>
-              <a:t>4/1/21</a:t>
+              <a:t>4/5/21</a:t>
             </a:fld>
             <a:endParaRPr lang="en-US"/>
           </a:p>
@@ -2071,7 +2079,7 @@
           <a:p>
             <a:fld id="{005309BC-9A12-7441-89B8-9E8FFBE8F5CC}" type="datetimeFigureOut">
               <a:rPr lang="en-US" smtClean="0"/>
-              <a:t>4/1/21</a:t>
+              <a:t>4/5/21</a:t>
             </a:fld>
             <a:endParaRPr lang="en-US"/>
           </a:p>
@@ -2382,7 +2390,7 @@
           <a:p>
             <a:fld id="{005309BC-9A12-7441-89B8-9E8FFBE8F5CC}" type="datetimeFigureOut">
               <a:rPr lang="en-US" smtClean="0"/>
-              <a:t>4/1/21</a:t>
+              <a:t>4/5/21</a:t>
             </a:fld>
             <a:endParaRPr lang="en-US"/>
           </a:p>
@@ -2670,7 +2678,7 @@
           <a:p>
             <a:fld id="{005309BC-9A12-7441-89B8-9E8FFBE8F5CC}" type="datetimeFigureOut">
               <a:rPr lang="en-US" smtClean="0"/>
-              <a:t>4/1/21</a:t>
+              <a:t>4/5/21</a:t>
             </a:fld>
             <a:endParaRPr lang="en-US"/>
           </a:p>
@@ -2911,7 +2919,7 @@
           <a:p>
             <a:fld id="{005309BC-9A12-7441-89B8-9E8FFBE8F5CC}" type="datetimeFigureOut">
               <a:rPr lang="en-US" smtClean="0"/>
-              <a:t>4/1/21</a:t>
+              <a:t>4/5/21</a:t>
             </a:fld>
             <a:endParaRPr lang="en-US"/>
           </a:p>
@@ -3328,6 +3336,90 @@
           <a:chExt cx="0" cy="0"/>
         </a:xfrm>
       </p:grpSpPr>
+      <p:pic>
+        <p:nvPicPr>
+          <p:cNvPr id="3" name="Picture 2" descr="Graphical user interface, text, application&#10;&#10;Description automatically generated">
+            <a:extLst>
+              <a:ext uri="{FF2B5EF4-FFF2-40B4-BE49-F238E27FC236}">
+                <a16:creationId xmlns:a16="http://schemas.microsoft.com/office/drawing/2014/main" id="{53E9BC73-13CA-344B-A3FB-A5D0D8DC5808}"/>
+              </a:ext>
+            </a:extLst>
+          </p:cNvPr>
+          <p:cNvPicPr>
+            <a:picLocks noChangeAspect="1"/>
+          </p:cNvPicPr>
+          <p:nvPr/>
+        </p:nvPicPr>
+        <p:blipFill>
+          <a:blip r:embed="rId2"/>
+          <a:stretch>
+            <a:fillRect/>
+          </a:stretch>
+        </p:blipFill>
+        <p:spPr>
+          <a:xfrm>
+            <a:off x="0" y="692084"/>
+            <a:ext cx="9521371" cy="6165916"/>
+          </a:xfrm>
+          <a:prstGeom prst="rect">
+            <a:avLst/>
+          </a:prstGeom>
+        </p:spPr>
+      </p:pic>
+      <p:sp>
+        <p:nvSpPr>
+          <p:cNvPr id="4" name="TextBox 3">
+            <a:extLst>
+              <a:ext uri="{FF2B5EF4-FFF2-40B4-BE49-F238E27FC236}">
+                <a16:creationId xmlns:a16="http://schemas.microsoft.com/office/drawing/2014/main" id="{9CAB41EE-FBD9-F243-BED6-54E7303902D3}"/>
+              </a:ext>
+            </a:extLst>
+          </p:cNvPr>
+          <p:cNvSpPr txBox="1"/>
+          <p:nvPr/>
+        </p:nvSpPr>
+        <p:spPr>
+          <a:xfrm>
+            <a:off x="0" y="137341"/>
+            <a:ext cx="12192000" cy="523220"/>
+          </a:xfrm>
+          <a:prstGeom prst="rect">
+            <a:avLst/>
+          </a:prstGeom>
+        </p:spPr>
+        <p:style>
+          <a:lnRef idx="3">
+            <a:schemeClr val="lt1"/>
+          </a:lnRef>
+          <a:fillRef idx="1">
+            <a:schemeClr val="accent3"/>
+          </a:fillRef>
+          <a:effectRef idx="1">
+            <a:schemeClr val="accent3"/>
+          </a:effectRef>
+          <a:fontRef idx="minor">
+            <a:schemeClr val="lt1"/>
+          </a:fontRef>
+        </p:style>
+        <p:txBody>
+          <a:bodyPr wrap="square" rtlCol="0">
+            <a:spAutoFit/>
+          </a:bodyPr>
+          <a:lstStyle/>
+          <a:p>
+            <a:pPr algn="ctr"/>
+            <a:r>
+              <a:rPr lang="en-US" sz="2800" dirty="0">
+                <a:solidFill>
+                  <a:schemeClr val="bg1"/>
+                </a:solidFill>
+                <a:latin typeface="Brandon Grotesque Regular" panose="020B0503020203060202" pitchFamily="34" charset="77"/>
+              </a:rPr>
+              <a:t>USER INTERFACE</a:t>
+            </a:r>
+          </a:p>
+        </p:txBody>
+      </p:sp>
     </p:spTree>
     <p:extLst>
       <p:ext uri="{BB962C8B-B14F-4D97-AF65-F5344CB8AC3E}">
@@ -3338,6 +3430,1585 @@
   <p:clrMapOvr>
     <a:masterClrMapping/>
   </p:clrMapOvr>
+</p:sld>
+</file>
+
+<file path=ppt/slides/slide10.xml><?xml version="1.0" encoding="utf-8"?>
+<p:sld xmlns:a="http://schemas.openxmlformats.org/drawingml/2006/main" xmlns:r="http://schemas.openxmlformats.org/officeDocument/2006/relationships" xmlns:p="http://schemas.openxmlformats.org/presentationml/2006/main">
+  <p:cSld>
+    <p:spTree>
+      <p:nvGrpSpPr>
+        <p:cNvPr id="1" name=""/>
+        <p:cNvGrpSpPr/>
+        <p:nvPr/>
+      </p:nvGrpSpPr>
+      <p:grpSpPr>
+        <a:xfrm>
+          <a:off x="0" y="0"/>
+          <a:ext cx="0" cy="0"/>
+          <a:chOff x="0" y="0"/>
+          <a:chExt cx="0" cy="0"/>
+        </a:xfrm>
+      </p:grpSpPr>
+      <p:pic>
+        <p:nvPicPr>
+          <p:cNvPr id="2" name="Picture 1" descr="Chart&#10;&#10;Description automatically generated with medium confidence">
+            <a:extLst>
+              <a:ext uri="{FF2B5EF4-FFF2-40B4-BE49-F238E27FC236}">
+                <a16:creationId xmlns:a16="http://schemas.microsoft.com/office/drawing/2014/main" id="{CA0A7555-B8C1-B24D-B69D-31CA68765657}"/>
+              </a:ext>
+            </a:extLst>
+          </p:cNvPr>
+          <p:cNvPicPr>
+            <a:picLocks noChangeAspect="1"/>
+          </p:cNvPicPr>
+          <p:nvPr/>
+        </p:nvPicPr>
+        <p:blipFill>
+          <a:blip r:embed="rId2"/>
+          <a:stretch>
+            <a:fillRect/>
+          </a:stretch>
+        </p:blipFill>
+        <p:spPr>
+          <a:xfrm>
+            <a:off x="408213" y="1249589"/>
+            <a:ext cx="8968016" cy="5007433"/>
+          </a:xfrm>
+          <a:prstGeom prst="rect">
+            <a:avLst/>
+          </a:prstGeom>
+        </p:spPr>
+      </p:pic>
+      <p:sp>
+        <p:nvSpPr>
+          <p:cNvPr id="3" name="TextBox 2">
+            <a:extLst>
+              <a:ext uri="{FF2B5EF4-FFF2-40B4-BE49-F238E27FC236}">
+                <a16:creationId xmlns:a16="http://schemas.microsoft.com/office/drawing/2014/main" id="{1A5C3DEE-22DB-2547-87D3-904D79B1ACEB}"/>
+              </a:ext>
+            </a:extLst>
+          </p:cNvPr>
+          <p:cNvSpPr txBox="1"/>
+          <p:nvPr/>
+        </p:nvSpPr>
+        <p:spPr>
+          <a:xfrm>
+            <a:off x="0" y="137341"/>
+            <a:ext cx="12192000" cy="523220"/>
+          </a:xfrm>
+          <a:prstGeom prst="rect">
+            <a:avLst/>
+          </a:prstGeom>
+        </p:spPr>
+        <p:style>
+          <a:lnRef idx="3">
+            <a:schemeClr val="lt1"/>
+          </a:lnRef>
+          <a:fillRef idx="1">
+            <a:schemeClr val="accent3"/>
+          </a:fillRef>
+          <a:effectRef idx="1">
+            <a:schemeClr val="accent3"/>
+          </a:effectRef>
+          <a:fontRef idx="minor">
+            <a:schemeClr val="lt1"/>
+          </a:fontRef>
+        </p:style>
+        <p:txBody>
+          <a:bodyPr wrap="square" rtlCol="0">
+            <a:spAutoFit/>
+          </a:bodyPr>
+          <a:lstStyle/>
+          <a:p>
+            <a:pPr algn="ctr"/>
+            <a:r>
+              <a:rPr lang="en-US" sz="2800" dirty="0">
+                <a:solidFill>
+                  <a:schemeClr val="bg1"/>
+                </a:solidFill>
+                <a:latin typeface="Brandon Grotesque Regular" panose="020B0503020203060202" pitchFamily="34" charset="77"/>
+              </a:rPr>
+              <a:t>NODE EMBEDDINGS WITH RGCN</a:t>
+            </a:r>
+          </a:p>
+        </p:txBody>
+      </p:sp>
+      <p:sp>
+        <p:nvSpPr>
+          <p:cNvPr id="4" name="Rectangle 3">
+            <a:extLst>
+              <a:ext uri="{FF2B5EF4-FFF2-40B4-BE49-F238E27FC236}">
+                <a16:creationId xmlns:a16="http://schemas.microsoft.com/office/drawing/2014/main" id="{C5796BAA-AE33-244B-85CC-27DB39D90CB8}"/>
+              </a:ext>
+            </a:extLst>
+          </p:cNvPr>
+          <p:cNvSpPr/>
+          <p:nvPr/>
+        </p:nvSpPr>
+        <p:spPr>
+          <a:xfrm>
+            <a:off x="5921829" y="1364343"/>
+            <a:ext cx="174171" cy="580571"/>
+          </a:xfrm>
+          <a:prstGeom prst="rect">
+            <a:avLst/>
+          </a:prstGeom>
+        </p:spPr>
+        <p:style>
+          <a:lnRef idx="3">
+            <a:schemeClr val="lt1"/>
+          </a:lnRef>
+          <a:fillRef idx="1">
+            <a:schemeClr val="accent3"/>
+          </a:fillRef>
+          <a:effectRef idx="1">
+            <a:schemeClr val="accent3"/>
+          </a:effectRef>
+          <a:fontRef idx="minor">
+            <a:schemeClr val="lt1"/>
+          </a:fontRef>
+        </p:style>
+        <p:txBody>
+          <a:bodyPr rtlCol="0" anchor="ctr"/>
+          <a:lstStyle/>
+          <a:p>
+            <a:pPr algn="ctr"/>
+            <a:endParaRPr lang="en-US"/>
+          </a:p>
+        </p:txBody>
+      </p:sp>
+      <p:sp>
+        <p:nvSpPr>
+          <p:cNvPr id="5" name="Rectangle 4">
+            <a:extLst>
+              <a:ext uri="{FF2B5EF4-FFF2-40B4-BE49-F238E27FC236}">
+                <a16:creationId xmlns:a16="http://schemas.microsoft.com/office/drawing/2014/main" id="{78BD656C-FF0D-0E47-8C89-25126AAEBD45}"/>
+              </a:ext>
+            </a:extLst>
+          </p:cNvPr>
+          <p:cNvSpPr/>
+          <p:nvPr/>
+        </p:nvSpPr>
+        <p:spPr>
+          <a:xfrm>
+            <a:off x="5522686" y="3753304"/>
+            <a:ext cx="174171" cy="580571"/>
+          </a:xfrm>
+          <a:prstGeom prst="rect">
+            <a:avLst/>
+          </a:prstGeom>
+        </p:spPr>
+        <p:style>
+          <a:lnRef idx="3">
+            <a:schemeClr val="lt1"/>
+          </a:lnRef>
+          <a:fillRef idx="1">
+            <a:schemeClr val="accent3"/>
+          </a:fillRef>
+          <a:effectRef idx="1">
+            <a:schemeClr val="accent3"/>
+          </a:effectRef>
+          <a:fontRef idx="minor">
+            <a:schemeClr val="lt1"/>
+          </a:fontRef>
+        </p:style>
+        <p:txBody>
+          <a:bodyPr rtlCol="0" anchor="ctr"/>
+          <a:lstStyle/>
+          <a:p>
+            <a:pPr algn="ctr"/>
+            <a:endParaRPr lang="en-US"/>
+          </a:p>
+        </p:txBody>
+      </p:sp>
+      <p:sp>
+        <p:nvSpPr>
+          <p:cNvPr id="6" name="Rectangle 5">
+            <a:extLst>
+              <a:ext uri="{FF2B5EF4-FFF2-40B4-BE49-F238E27FC236}">
+                <a16:creationId xmlns:a16="http://schemas.microsoft.com/office/drawing/2014/main" id="{AFC3BA0C-B9C3-5943-9AD0-1507F529A23E}"/>
+              </a:ext>
+            </a:extLst>
+          </p:cNvPr>
+          <p:cNvSpPr/>
+          <p:nvPr/>
+        </p:nvSpPr>
+        <p:spPr>
+          <a:xfrm>
+            <a:off x="5994399" y="4760687"/>
+            <a:ext cx="174171" cy="580571"/>
+          </a:xfrm>
+          <a:prstGeom prst="rect">
+            <a:avLst/>
+          </a:prstGeom>
+        </p:spPr>
+        <p:style>
+          <a:lnRef idx="3">
+            <a:schemeClr val="lt1"/>
+          </a:lnRef>
+          <a:fillRef idx="1">
+            <a:schemeClr val="accent3"/>
+          </a:fillRef>
+          <a:effectRef idx="1">
+            <a:schemeClr val="accent3"/>
+          </a:effectRef>
+          <a:fontRef idx="minor">
+            <a:schemeClr val="lt1"/>
+          </a:fontRef>
+        </p:style>
+        <p:txBody>
+          <a:bodyPr rtlCol="0" anchor="ctr"/>
+          <a:lstStyle/>
+          <a:p>
+            <a:pPr algn="ctr"/>
+            <a:endParaRPr lang="en-US"/>
+          </a:p>
+        </p:txBody>
+      </p:sp>
+      <p:sp>
+        <p:nvSpPr>
+          <p:cNvPr id="7" name="Rectangle 6">
+            <a:extLst>
+              <a:ext uri="{FF2B5EF4-FFF2-40B4-BE49-F238E27FC236}">
+                <a16:creationId xmlns:a16="http://schemas.microsoft.com/office/drawing/2014/main" id="{94ED344C-CD8B-3B4A-8047-4C0362378892}"/>
+              </a:ext>
+            </a:extLst>
+          </p:cNvPr>
+          <p:cNvSpPr/>
+          <p:nvPr/>
+        </p:nvSpPr>
+        <p:spPr>
+          <a:xfrm>
+            <a:off x="7119258" y="3463019"/>
+            <a:ext cx="174171" cy="580571"/>
+          </a:xfrm>
+          <a:prstGeom prst="rect">
+            <a:avLst/>
+          </a:prstGeom>
+        </p:spPr>
+        <p:style>
+          <a:lnRef idx="3">
+            <a:schemeClr val="lt1"/>
+          </a:lnRef>
+          <a:fillRef idx="1">
+            <a:schemeClr val="accent3"/>
+          </a:fillRef>
+          <a:effectRef idx="1">
+            <a:schemeClr val="accent3"/>
+          </a:effectRef>
+          <a:fontRef idx="minor">
+            <a:schemeClr val="lt1"/>
+          </a:fontRef>
+        </p:style>
+        <p:txBody>
+          <a:bodyPr rtlCol="0" anchor="ctr"/>
+          <a:lstStyle/>
+          <a:p>
+            <a:pPr algn="ctr"/>
+            <a:endParaRPr lang="en-US"/>
+          </a:p>
+        </p:txBody>
+      </p:sp>
+      <p:sp>
+        <p:nvSpPr>
+          <p:cNvPr id="8" name="Rectangle 7">
+            <a:extLst>
+              <a:ext uri="{FF2B5EF4-FFF2-40B4-BE49-F238E27FC236}">
+                <a16:creationId xmlns:a16="http://schemas.microsoft.com/office/drawing/2014/main" id="{29C5D43E-85C4-CC46-BF64-F8127E43A80C}"/>
+              </a:ext>
+            </a:extLst>
+          </p:cNvPr>
+          <p:cNvSpPr/>
+          <p:nvPr/>
+        </p:nvSpPr>
+        <p:spPr>
+          <a:xfrm>
+            <a:off x="6553200" y="2410571"/>
+            <a:ext cx="174171" cy="580571"/>
+          </a:xfrm>
+          <a:prstGeom prst="rect">
+            <a:avLst/>
+          </a:prstGeom>
+        </p:spPr>
+        <p:style>
+          <a:lnRef idx="3">
+            <a:schemeClr val="lt1"/>
+          </a:lnRef>
+          <a:fillRef idx="1">
+            <a:schemeClr val="accent3"/>
+          </a:fillRef>
+          <a:effectRef idx="1">
+            <a:schemeClr val="accent3"/>
+          </a:effectRef>
+          <a:fontRef idx="minor">
+            <a:schemeClr val="lt1"/>
+          </a:fontRef>
+        </p:style>
+        <p:txBody>
+          <a:bodyPr rtlCol="0" anchor="ctr"/>
+          <a:lstStyle/>
+          <a:p>
+            <a:pPr algn="ctr"/>
+            <a:endParaRPr lang="en-US"/>
+          </a:p>
+        </p:txBody>
+      </p:sp>
+      <p:sp>
+        <p:nvSpPr>
+          <p:cNvPr id="9" name="Rectangle 8">
+            <a:extLst>
+              <a:ext uri="{FF2B5EF4-FFF2-40B4-BE49-F238E27FC236}">
+                <a16:creationId xmlns:a16="http://schemas.microsoft.com/office/drawing/2014/main" id="{34E35272-C912-5947-9779-03B25B3E7149}"/>
+              </a:ext>
+            </a:extLst>
+          </p:cNvPr>
+          <p:cNvSpPr/>
+          <p:nvPr/>
+        </p:nvSpPr>
+        <p:spPr>
+          <a:xfrm>
+            <a:off x="4718050" y="1531257"/>
+            <a:ext cx="174171" cy="580571"/>
+          </a:xfrm>
+          <a:prstGeom prst="rect">
+            <a:avLst/>
+          </a:prstGeom>
+        </p:spPr>
+        <p:style>
+          <a:lnRef idx="3">
+            <a:schemeClr val="lt1"/>
+          </a:lnRef>
+          <a:fillRef idx="1">
+            <a:schemeClr val="accent3"/>
+          </a:fillRef>
+          <a:effectRef idx="1">
+            <a:schemeClr val="accent3"/>
+          </a:effectRef>
+          <a:fontRef idx="minor">
+            <a:schemeClr val="lt1"/>
+          </a:fontRef>
+        </p:style>
+        <p:txBody>
+          <a:bodyPr rtlCol="0" anchor="ctr"/>
+          <a:lstStyle/>
+          <a:p>
+            <a:pPr algn="ctr"/>
+            <a:endParaRPr lang="en-US"/>
+          </a:p>
+        </p:txBody>
+      </p:sp>
+      <p:sp>
+        <p:nvSpPr>
+          <p:cNvPr id="10" name="Rectangle 9">
+            <a:extLst>
+              <a:ext uri="{FF2B5EF4-FFF2-40B4-BE49-F238E27FC236}">
+                <a16:creationId xmlns:a16="http://schemas.microsoft.com/office/drawing/2014/main" id="{8257BEFB-D045-8C49-87AE-DB655C56D0C3}"/>
+              </a:ext>
+            </a:extLst>
+          </p:cNvPr>
+          <p:cNvSpPr/>
+          <p:nvPr/>
+        </p:nvSpPr>
+        <p:spPr>
+          <a:xfrm>
+            <a:off x="3955143" y="4767944"/>
+            <a:ext cx="174171" cy="580571"/>
+          </a:xfrm>
+          <a:prstGeom prst="rect">
+            <a:avLst/>
+          </a:prstGeom>
+        </p:spPr>
+        <p:style>
+          <a:lnRef idx="3">
+            <a:schemeClr val="lt1"/>
+          </a:lnRef>
+          <a:fillRef idx="1">
+            <a:schemeClr val="accent3"/>
+          </a:fillRef>
+          <a:effectRef idx="1">
+            <a:schemeClr val="accent3"/>
+          </a:effectRef>
+          <a:fontRef idx="minor">
+            <a:schemeClr val="lt1"/>
+          </a:fontRef>
+        </p:style>
+        <p:txBody>
+          <a:bodyPr rtlCol="0" anchor="ctr"/>
+          <a:lstStyle/>
+          <a:p>
+            <a:pPr algn="ctr"/>
+            <a:endParaRPr lang="en-US"/>
+          </a:p>
+        </p:txBody>
+      </p:sp>
+      <p:sp>
+        <p:nvSpPr>
+          <p:cNvPr id="11" name="Rectangle 10">
+            <a:extLst>
+              <a:ext uri="{FF2B5EF4-FFF2-40B4-BE49-F238E27FC236}">
+                <a16:creationId xmlns:a16="http://schemas.microsoft.com/office/drawing/2014/main" id="{D854FA08-AD71-7B49-818B-F7A5A8587B0F}"/>
+              </a:ext>
+            </a:extLst>
+          </p:cNvPr>
+          <p:cNvSpPr/>
+          <p:nvPr/>
+        </p:nvSpPr>
+        <p:spPr>
+          <a:xfrm>
+            <a:off x="2982687" y="3753304"/>
+            <a:ext cx="174171" cy="580571"/>
+          </a:xfrm>
+          <a:prstGeom prst="rect">
+            <a:avLst/>
+          </a:prstGeom>
+        </p:spPr>
+        <p:style>
+          <a:lnRef idx="3">
+            <a:schemeClr val="lt1"/>
+          </a:lnRef>
+          <a:fillRef idx="1">
+            <a:schemeClr val="accent3"/>
+          </a:fillRef>
+          <a:effectRef idx="1">
+            <a:schemeClr val="accent3"/>
+          </a:effectRef>
+          <a:fontRef idx="minor">
+            <a:schemeClr val="lt1"/>
+          </a:fontRef>
+        </p:style>
+        <p:txBody>
+          <a:bodyPr rtlCol="0" anchor="ctr"/>
+          <a:lstStyle/>
+          <a:p>
+            <a:pPr algn="ctr"/>
+            <a:endParaRPr lang="en-US"/>
+          </a:p>
+        </p:txBody>
+      </p:sp>
+      <p:sp>
+        <p:nvSpPr>
+          <p:cNvPr id="12" name="Rectangle 11">
+            <a:extLst>
+              <a:ext uri="{FF2B5EF4-FFF2-40B4-BE49-F238E27FC236}">
+                <a16:creationId xmlns:a16="http://schemas.microsoft.com/office/drawing/2014/main" id="{F7D406E8-167F-0047-AC37-0D8748295907}"/>
+              </a:ext>
+            </a:extLst>
+          </p:cNvPr>
+          <p:cNvSpPr/>
+          <p:nvPr/>
+        </p:nvSpPr>
+        <p:spPr>
+          <a:xfrm>
+            <a:off x="1386115" y="3650343"/>
+            <a:ext cx="174171" cy="580571"/>
+          </a:xfrm>
+          <a:prstGeom prst="rect">
+            <a:avLst/>
+          </a:prstGeom>
+        </p:spPr>
+        <p:style>
+          <a:lnRef idx="3">
+            <a:schemeClr val="lt1"/>
+          </a:lnRef>
+          <a:fillRef idx="1">
+            <a:schemeClr val="accent3"/>
+          </a:fillRef>
+          <a:effectRef idx="1">
+            <a:schemeClr val="accent3"/>
+          </a:effectRef>
+          <a:fontRef idx="minor">
+            <a:schemeClr val="lt1"/>
+          </a:fontRef>
+        </p:style>
+        <p:txBody>
+          <a:bodyPr rtlCol="0" anchor="ctr"/>
+          <a:lstStyle/>
+          <a:p>
+            <a:pPr algn="ctr"/>
+            <a:endParaRPr lang="en-US"/>
+          </a:p>
+        </p:txBody>
+      </p:sp>
+      <p:sp>
+        <p:nvSpPr>
+          <p:cNvPr id="13" name="Rectangle 12">
+            <a:extLst>
+              <a:ext uri="{FF2B5EF4-FFF2-40B4-BE49-F238E27FC236}">
+                <a16:creationId xmlns:a16="http://schemas.microsoft.com/office/drawing/2014/main" id="{274BB04F-631F-6A4E-B8FA-BE7A98C74D03}"/>
+              </a:ext>
+            </a:extLst>
+          </p:cNvPr>
+          <p:cNvSpPr/>
+          <p:nvPr/>
+        </p:nvSpPr>
+        <p:spPr>
+          <a:xfrm>
+            <a:off x="2061029" y="2540000"/>
+            <a:ext cx="174171" cy="580571"/>
+          </a:xfrm>
+          <a:prstGeom prst="rect">
+            <a:avLst/>
+          </a:prstGeom>
+        </p:spPr>
+        <p:style>
+          <a:lnRef idx="3">
+            <a:schemeClr val="lt1"/>
+          </a:lnRef>
+          <a:fillRef idx="1">
+            <a:schemeClr val="accent3"/>
+          </a:fillRef>
+          <a:effectRef idx="1">
+            <a:schemeClr val="accent3"/>
+          </a:effectRef>
+          <a:fontRef idx="minor">
+            <a:schemeClr val="lt1"/>
+          </a:fontRef>
+        </p:style>
+        <p:txBody>
+          <a:bodyPr rtlCol="0" anchor="ctr"/>
+          <a:lstStyle/>
+          <a:p>
+            <a:pPr algn="ctr"/>
+            <a:endParaRPr lang="en-US"/>
+          </a:p>
+        </p:txBody>
+      </p:sp>
+      <p:sp>
+        <p:nvSpPr>
+          <p:cNvPr id="14" name="Rectangle 13">
+            <a:extLst>
+              <a:ext uri="{FF2B5EF4-FFF2-40B4-BE49-F238E27FC236}">
+                <a16:creationId xmlns:a16="http://schemas.microsoft.com/office/drawing/2014/main" id="{C3EB0EAC-144F-824E-8829-C5351039BF80}"/>
+              </a:ext>
+            </a:extLst>
+          </p:cNvPr>
+          <p:cNvSpPr/>
+          <p:nvPr/>
+        </p:nvSpPr>
+        <p:spPr>
+          <a:xfrm>
+            <a:off x="9123135" y="2111828"/>
+            <a:ext cx="174171" cy="580571"/>
+          </a:xfrm>
+          <a:prstGeom prst="rect">
+            <a:avLst/>
+          </a:prstGeom>
+        </p:spPr>
+        <p:style>
+          <a:lnRef idx="2">
+            <a:schemeClr val="accent3"/>
+          </a:lnRef>
+          <a:fillRef idx="1">
+            <a:schemeClr val="lt1"/>
+          </a:fillRef>
+          <a:effectRef idx="0">
+            <a:schemeClr val="accent3"/>
+          </a:effectRef>
+          <a:fontRef idx="minor">
+            <a:schemeClr val="dk1"/>
+          </a:fontRef>
+        </p:style>
+        <p:txBody>
+          <a:bodyPr rtlCol="0" anchor="ctr"/>
+          <a:lstStyle/>
+          <a:p>
+            <a:pPr algn="ctr"/>
+            <a:endParaRPr lang="en-US"/>
+          </a:p>
+        </p:txBody>
+      </p:sp>
+      <p:sp>
+        <p:nvSpPr>
+          <p:cNvPr id="17" name="Rectangle 16">
+            <a:extLst>
+              <a:ext uri="{FF2B5EF4-FFF2-40B4-BE49-F238E27FC236}">
+                <a16:creationId xmlns:a16="http://schemas.microsoft.com/office/drawing/2014/main" id="{89811BAB-0690-434F-92FF-070153A801B7}"/>
+              </a:ext>
+            </a:extLst>
+          </p:cNvPr>
+          <p:cNvSpPr/>
+          <p:nvPr/>
+        </p:nvSpPr>
+        <p:spPr>
+          <a:xfrm>
+            <a:off x="747484" y="783772"/>
+            <a:ext cx="174171" cy="580571"/>
+          </a:xfrm>
+          <a:prstGeom prst="rect">
+            <a:avLst/>
+          </a:prstGeom>
+        </p:spPr>
+        <p:style>
+          <a:lnRef idx="2">
+            <a:schemeClr val="accent3"/>
+          </a:lnRef>
+          <a:fillRef idx="1">
+            <a:schemeClr val="lt1"/>
+          </a:fillRef>
+          <a:effectRef idx="0">
+            <a:schemeClr val="accent3"/>
+          </a:effectRef>
+          <a:fontRef idx="minor">
+            <a:schemeClr val="dk1"/>
+          </a:fontRef>
+        </p:style>
+        <p:txBody>
+          <a:bodyPr rtlCol="0" anchor="ctr"/>
+          <a:lstStyle/>
+          <a:p>
+            <a:pPr algn="ctr"/>
+            <a:endParaRPr lang="en-US"/>
+          </a:p>
+        </p:txBody>
+      </p:sp>
+      <p:sp>
+        <p:nvSpPr>
+          <p:cNvPr id="18" name="Rectangle 17">
+            <a:extLst>
+              <a:ext uri="{FF2B5EF4-FFF2-40B4-BE49-F238E27FC236}">
+                <a16:creationId xmlns:a16="http://schemas.microsoft.com/office/drawing/2014/main" id="{7E3AA56A-EC83-8A49-A23E-CB7D8238BAB5}"/>
+              </a:ext>
+            </a:extLst>
+          </p:cNvPr>
+          <p:cNvSpPr/>
+          <p:nvPr/>
+        </p:nvSpPr>
+        <p:spPr>
+          <a:xfrm>
+            <a:off x="573313" y="4984297"/>
+            <a:ext cx="174171" cy="580571"/>
+          </a:xfrm>
+          <a:prstGeom prst="rect">
+            <a:avLst/>
+          </a:prstGeom>
+        </p:spPr>
+        <p:style>
+          <a:lnRef idx="2">
+            <a:schemeClr val="accent3"/>
+          </a:lnRef>
+          <a:fillRef idx="1">
+            <a:schemeClr val="lt1"/>
+          </a:fillRef>
+          <a:effectRef idx="0">
+            <a:schemeClr val="accent3"/>
+          </a:effectRef>
+          <a:fontRef idx="minor">
+            <a:schemeClr val="dk1"/>
+          </a:fontRef>
+        </p:style>
+        <p:txBody>
+          <a:bodyPr rtlCol="0" anchor="ctr"/>
+          <a:lstStyle/>
+          <a:p>
+            <a:pPr algn="ctr"/>
+            <a:endParaRPr lang="en-US"/>
+          </a:p>
+        </p:txBody>
+      </p:sp>
+      <p:sp>
+        <p:nvSpPr>
+          <p:cNvPr id="20" name="TextBox 19">
+            <a:extLst>
+              <a:ext uri="{FF2B5EF4-FFF2-40B4-BE49-F238E27FC236}">
+                <a16:creationId xmlns:a16="http://schemas.microsoft.com/office/drawing/2014/main" id="{E27A0DD7-CE63-5A4D-8800-C72208F70BBB}"/>
+              </a:ext>
+            </a:extLst>
+          </p:cNvPr>
+          <p:cNvSpPr txBox="1"/>
+          <p:nvPr/>
+        </p:nvSpPr>
+        <p:spPr>
+          <a:xfrm>
+            <a:off x="8868229" y="1249589"/>
+            <a:ext cx="2917371" cy="461665"/>
+          </a:xfrm>
+          <a:prstGeom prst="rect">
+            <a:avLst/>
+          </a:prstGeom>
+          <a:noFill/>
+        </p:spPr>
+        <p:txBody>
+          <a:bodyPr wrap="square" rtlCol="0">
+            <a:spAutoFit/>
+          </a:bodyPr>
+          <a:lstStyle/>
+          <a:p>
+            <a:r>
+              <a:rPr lang="en-US" sz="2400" dirty="0">
+                <a:latin typeface="Brandon Grotesque Regular" panose="020B0503020203060202" pitchFamily="34" charset="77"/>
+              </a:rPr>
+              <a:t>Link prediction task</a:t>
+            </a:r>
+          </a:p>
+        </p:txBody>
+      </p:sp>
+    </p:spTree>
+    <p:extLst>
+      <p:ext uri="{BB962C8B-B14F-4D97-AF65-F5344CB8AC3E}">
+        <p14:creationId xmlns:p14="http://schemas.microsoft.com/office/powerpoint/2010/main" val="3964511593"/>
+      </p:ext>
+    </p:extLst>
+  </p:cSld>
+  <p:clrMapOvr>
+    <a:masterClrMapping/>
+  </p:clrMapOvr>
+  <p:timing>
+    <p:tnLst>
+      <p:par>
+        <p:cTn id="1" dur="indefinite" restart="never" nodeType="tmRoot">
+          <p:childTnLst>
+            <p:seq concurrent="1" nextAc="seek">
+              <p:cTn id="2" dur="indefinite" nodeType="mainSeq">
+                <p:childTnLst>
+                  <p:par>
+                    <p:cTn id="3" fill="hold">
+                      <p:stCondLst>
+                        <p:cond delay="indefinite"/>
+                        <p:cond evt="onBegin" delay="0">
+                          <p:tn val="2"/>
+                        </p:cond>
+                      </p:stCondLst>
+                      <p:childTnLst>
+                        <p:par>
+                          <p:cTn id="4" fill="hold">
+                            <p:stCondLst>
+                              <p:cond delay="0"/>
+                            </p:stCondLst>
+                            <p:childTnLst>
+                              <p:par>
+                                <p:cTn id="5" presetID="10" presetClass="entr" presetSubtype="0" fill="hold" grpId="0" nodeType="withEffect">
+                                  <p:stCondLst>
+                                    <p:cond delay="0"/>
+                                  </p:stCondLst>
+                                  <p:childTnLst>
+                                    <p:set>
+                                      <p:cBhvr>
+                                        <p:cTn id="6" dur="1" fill="hold">
+                                          <p:stCondLst>
+                                            <p:cond delay="0"/>
+                                          </p:stCondLst>
+                                        </p:cTn>
+                                        <p:tgtEl>
+                                          <p:spTgt spid="3"/>
+                                        </p:tgtEl>
+                                        <p:attrNameLst>
+                                          <p:attrName>style.visibility</p:attrName>
+                                        </p:attrNameLst>
+                                      </p:cBhvr>
+                                      <p:to>
+                                        <p:strVal val="visible"/>
+                                      </p:to>
+                                    </p:set>
+                                    <p:animEffect transition="in" filter="fade">
+                                      <p:cBhvr>
+                                        <p:cTn id="7" dur="500"/>
+                                        <p:tgtEl>
+                                          <p:spTgt spid="3"/>
+                                        </p:tgtEl>
+                                      </p:cBhvr>
+                                    </p:animEffect>
+                                  </p:childTnLst>
+                                </p:cTn>
+                              </p:par>
+                              <p:par>
+                                <p:cTn id="8" presetID="10" presetClass="entr" presetSubtype="0" fill="hold" grpId="0" nodeType="withEffect">
+                                  <p:stCondLst>
+                                    <p:cond delay="0"/>
+                                  </p:stCondLst>
+                                  <p:childTnLst>
+                                    <p:set>
+                                      <p:cBhvr>
+                                        <p:cTn id="9" dur="1" fill="hold">
+                                          <p:stCondLst>
+                                            <p:cond delay="0"/>
+                                          </p:stCondLst>
+                                        </p:cTn>
+                                        <p:tgtEl>
+                                          <p:spTgt spid="14"/>
+                                        </p:tgtEl>
+                                        <p:attrNameLst>
+                                          <p:attrName>style.visibility</p:attrName>
+                                        </p:attrNameLst>
+                                      </p:cBhvr>
+                                      <p:to>
+                                        <p:strVal val="visible"/>
+                                      </p:to>
+                                    </p:set>
+                                    <p:animEffect transition="in" filter="fade">
+                                      <p:cBhvr>
+                                        <p:cTn id="10" dur="500"/>
+                                        <p:tgtEl>
+                                          <p:spTgt spid="14"/>
+                                        </p:tgtEl>
+                                      </p:cBhvr>
+                                    </p:animEffect>
+                                  </p:childTnLst>
+                                </p:cTn>
+                              </p:par>
+                              <p:par>
+                                <p:cTn id="11" presetID="10" presetClass="entr" presetSubtype="0" fill="hold" grpId="0" nodeType="withEffect">
+                                  <p:stCondLst>
+                                    <p:cond delay="0"/>
+                                  </p:stCondLst>
+                                  <p:childTnLst>
+                                    <p:set>
+                                      <p:cBhvr>
+                                        <p:cTn id="12" dur="1" fill="hold">
+                                          <p:stCondLst>
+                                            <p:cond delay="0"/>
+                                          </p:stCondLst>
+                                        </p:cTn>
+                                        <p:tgtEl>
+                                          <p:spTgt spid="4"/>
+                                        </p:tgtEl>
+                                        <p:attrNameLst>
+                                          <p:attrName>style.visibility</p:attrName>
+                                        </p:attrNameLst>
+                                      </p:cBhvr>
+                                      <p:to>
+                                        <p:strVal val="visible"/>
+                                      </p:to>
+                                    </p:set>
+                                    <p:animEffect transition="in" filter="fade">
+                                      <p:cBhvr>
+                                        <p:cTn id="13" dur="500"/>
+                                        <p:tgtEl>
+                                          <p:spTgt spid="4"/>
+                                        </p:tgtEl>
+                                      </p:cBhvr>
+                                    </p:animEffect>
+                                  </p:childTnLst>
+                                </p:cTn>
+                              </p:par>
+                              <p:par>
+                                <p:cTn id="14" presetID="10" presetClass="entr" presetSubtype="0" fill="hold" grpId="0" nodeType="withEffect">
+                                  <p:stCondLst>
+                                    <p:cond delay="0"/>
+                                  </p:stCondLst>
+                                  <p:childTnLst>
+                                    <p:set>
+                                      <p:cBhvr>
+                                        <p:cTn id="15" dur="1" fill="hold">
+                                          <p:stCondLst>
+                                            <p:cond delay="0"/>
+                                          </p:stCondLst>
+                                        </p:cTn>
+                                        <p:tgtEl>
+                                          <p:spTgt spid="9"/>
+                                        </p:tgtEl>
+                                        <p:attrNameLst>
+                                          <p:attrName>style.visibility</p:attrName>
+                                        </p:attrNameLst>
+                                      </p:cBhvr>
+                                      <p:to>
+                                        <p:strVal val="visible"/>
+                                      </p:to>
+                                    </p:set>
+                                    <p:animEffect transition="in" filter="fade">
+                                      <p:cBhvr>
+                                        <p:cTn id="16" dur="500"/>
+                                        <p:tgtEl>
+                                          <p:spTgt spid="9"/>
+                                        </p:tgtEl>
+                                      </p:cBhvr>
+                                    </p:animEffect>
+                                  </p:childTnLst>
+                                </p:cTn>
+                              </p:par>
+                              <p:par>
+                                <p:cTn id="17" presetID="10" presetClass="entr" presetSubtype="0" fill="hold" grpId="0" nodeType="withEffect">
+                                  <p:stCondLst>
+                                    <p:cond delay="0"/>
+                                  </p:stCondLst>
+                                  <p:childTnLst>
+                                    <p:set>
+                                      <p:cBhvr>
+                                        <p:cTn id="18" dur="1" fill="hold">
+                                          <p:stCondLst>
+                                            <p:cond delay="0"/>
+                                          </p:stCondLst>
+                                        </p:cTn>
+                                        <p:tgtEl>
+                                          <p:spTgt spid="8"/>
+                                        </p:tgtEl>
+                                        <p:attrNameLst>
+                                          <p:attrName>style.visibility</p:attrName>
+                                        </p:attrNameLst>
+                                      </p:cBhvr>
+                                      <p:to>
+                                        <p:strVal val="visible"/>
+                                      </p:to>
+                                    </p:set>
+                                    <p:animEffect transition="in" filter="fade">
+                                      <p:cBhvr>
+                                        <p:cTn id="19" dur="500"/>
+                                        <p:tgtEl>
+                                          <p:spTgt spid="8"/>
+                                        </p:tgtEl>
+                                      </p:cBhvr>
+                                    </p:animEffect>
+                                  </p:childTnLst>
+                                </p:cTn>
+                              </p:par>
+                              <p:par>
+                                <p:cTn id="20" presetID="10" presetClass="entr" presetSubtype="0" fill="hold" grpId="0" nodeType="withEffect">
+                                  <p:stCondLst>
+                                    <p:cond delay="0"/>
+                                  </p:stCondLst>
+                                  <p:childTnLst>
+                                    <p:set>
+                                      <p:cBhvr>
+                                        <p:cTn id="21" dur="1" fill="hold">
+                                          <p:stCondLst>
+                                            <p:cond delay="0"/>
+                                          </p:stCondLst>
+                                        </p:cTn>
+                                        <p:tgtEl>
+                                          <p:spTgt spid="7"/>
+                                        </p:tgtEl>
+                                        <p:attrNameLst>
+                                          <p:attrName>style.visibility</p:attrName>
+                                        </p:attrNameLst>
+                                      </p:cBhvr>
+                                      <p:to>
+                                        <p:strVal val="visible"/>
+                                      </p:to>
+                                    </p:set>
+                                    <p:animEffect transition="in" filter="fade">
+                                      <p:cBhvr>
+                                        <p:cTn id="22" dur="500"/>
+                                        <p:tgtEl>
+                                          <p:spTgt spid="7"/>
+                                        </p:tgtEl>
+                                      </p:cBhvr>
+                                    </p:animEffect>
+                                  </p:childTnLst>
+                                </p:cTn>
+                              </p:par>
+                              <p:par>
+                                <p:cTn id="23" presetID="10" presetClass="entr" presetSubtype="0" fill="hold" grpId="0" nodeType="withEffect">
+                                  <p:stCondLst>
+                                    <p:cond delay="0"/>
+                                  </p:stCondLst>
+                                  <p:childTnLst>
+                                    <p:set>
+                                      <p:cBhvr>
+                                        <p:cTn id="24" dur="1" fill="hold">
+                                          <p:stCondLst>
+                                            <p:cond delay="0"/>
+                                          </p:stCondLst>
+                                        </p:cTn>
+                                        <p:tgtEl>
+                                          <p:spTgt spid="5"/>
+                                        </p:tgtEl>
+                                        <p:attrNameLst>
+                                          <p:attrName>style.visibility</p:attrName>
+                                        </p:attrNameLst>
+                                      </p:cBhvr>
+                                      <p:to>
+                                        <p:strVal val="visible"/>
+                                      </p:to>
+                                    </p:set>
+                                    <p:animEffect transition="in" filter="fade">
+                                      <p:cBhvr>
+                                        <p:cTn id="25" dur="500"/>
+                                        <p:tgtEl>
+                                          <p:spTgt spid="5"/>
+                                        </p:tgtEl>
+                                      </p:cBhvr>
+                                    </p:animEffect>
+                                  </p:childTnLst>
+                                </p:cTn>
+                              </p:par>
+                              <p:par>
+                                <p:cTn id="26" presetID="10" presetClass="entr" presetSubtype="0" fill="hold" grpId="0" nodeType="withEffect">
+                                  <p:stCondLst>
+                                    <p:cond delay="0"/>
+                                  </p:stCondLst>
+                                  <p:childTnLst>
+                                    <p:set>
+                                      <p:cBhvr>
+                                        <p:cTn id="27" dur="1" fill="hold">
+                                          <p:stCondLst>
+                                            <p:cond delay="0"/>
+                                          </p:stCondLst>
+                                        </p:cTn>
+                                        <p:tgtEl>
+                                          <p:spTgt spid="6"/>
+                                        </p:tgtEl>
+                                        <p:attrNameLst>
+                                          <p:attrName>style.visibility</p:attrName>
+                                        </p:attrNameLst>
+                                      </p:cBhvr>
+                                      <p:to>
+                                        <p:strVal val="visible"/>
+                                      </p:to>
+                                    </p:set>
+                                    <p:animEffect transition="in" filter="fade">
+                                      <p:cBhvr>
+                                        <p:cTn id="28" dur="500"/>
+                                        <p:tgtEl>
+                                          <p:spTgt spid="6"/>
+                                        </p:tgtEl>
+                                      </p:cBhvr>
+                                    </p:animEffect>
+                                  </p:childTnLst>
+                                </p:cTn>
+                              </p:par>
+                              <p:par>
+                                <p:cTn id="29" presetID="10" presetClass="entr" presetSubtype="0" fill="hold" grpId="0" nodeType="withEffect">
+                                  <p:stCondLst>
+                                    <p:cond delay="0"/>
+                                  </p:stCondLst>
+                                  <p:childTnLst>
+                                    <p:set>
+                                      <p:cBhvr>
+                                        <p:cTn id="30" dur="1" fill="hold">
+                                          <p:stCondLst>
+                                            <p:cond delay="0"/>
+                                          </p:stCondLst>
+                                        </p:cTn>
+                                        <p:tgtEl>
+                                          <p:spTgt spid="10"/>
+                                        </p:tgtEl>
+                                        <p:attrNameLst>
+                                          <p:attrName>style.visibility</p:attrName>
+                                        </p:attrNameLst>
+                                      </p:cBhvr>
+                                      <p:to>
+                                        <p:strVal val="visible"/>
+                                      </p:to>
+                                    </p:set>
+                                    <p:animEffect transition="in" filter="fade">
+                                      <p:cBhvr>
+                                        <p:cTn id="31" dur="500"/>
+                                        <p:tgtEl>
+                                          <p:spTgt spid="10"/>
+                                        </p:tgtEl>
+                                      </p:cBhvr>
+                                    </p:animEffect>
+                                  </p:childTnLst>
+                                </p:cTn>
+                              </p:par>
+                              <p:par>
+                                <p:cTn id="32" presetID="10" presetClass="entr" presetSubtype="0" fill="hold" grpId="0" nodeType="withEffect">
+                                  <p:stCondLst>
+                                    <p:cond delay="0"/>
+                                  </p:stCondLst>
+                                  <p:childTnLst>
+                                    <p:set>
+                                      <p:cBhvr>
+                                        <p:cTn id="33" dur="1" fill="hold">
+                                          <p:stCondLst>
+                                            <p:cond delay="0"/>
+                                          </p:stCondLst>
+                                        </p:cTn>
+                                        <p:tgtEl>
+                                          <p:spTgt spid="11"/>
+                                        </p:tgtEl>
+                                        <p:attrNameLst>
+                                          <p:attrName>style.visibility</p:attrName>
+                                        </p:attrNameLst>
+                                      </p:cBhvr>
+                                      <p:to>
+                                        <p:strVal val="visible"/>
+                                      </p:to>
+                                    </p:set>
+                                    <p:animEffect transition="in" filter="fade">
+                                      <p:cBhvr>
+                                        <p:cTn id="34" dur="500"/>
+                                        <p:tgtEl>
+                                          <p:spTgt spid="11"/>
+                                        </p:tgtEl>
+                                      </p:cBhvr>
+                                    </p:animEffect>
+                                  </p:childTnLst>
+                                </p:cTn>
+                              </p:par>
+                              <p:par>
+                                <p:cTn id="35" presetID="10" presetClass="entr" presetSubtype="0" fill="hold" grpId="0" nodeType="withEffect">
+                                  <p:stCondLst>
+                                    <p:cond delay="0"/>
+                                  </p:stCondLst>
+                                  <p:childTnLst>
+                                    <p:set>
+                                      <p:cBhvr>
+                                        <p:cTn id="36" dur="1" fill="hold">
+                                          <p:stCondLst>
+                                            <p:cond delay="0"/>
+                                          </p:stCondLst>
+                                        </p:cTn>
+                                        <p:tgtEl>
+                                          <p:spTgt spid="13"/>
+                                        </p:tgtEl>
+                                        <p:attrNameLst>
+                                          <p:attrName>style.visibility</p:attrName>
+                                        </p:attrNameLst>
+                                      </p:cBhvr>
+                                      <p:to>
+                                        <p:strVal val="visible"/>
+                                      </p:to>
+                                    </p:set>
+                                    <p:animEffect transition="in" filter="fade">
+                                      <p:cBhvr>
+                                        <p:cTn id="37" dur="500"/>
+                                        <p:tgtEl>
+                                          <p:spTgt spid="13"/>
+                                        </p:tgtEl>
+                                      </p:cBhvr>
+                                    </p:animEffect>
+                                  </p:childTnLst>
+                                </p:cTn>
+                              </p:par>
+                              <p:par>
+                                <p:cTn id="38" presetID="10" presetClass="entr" presetSubtype="0" fill="hold" grpId="0" nodeType="withEffect">
+                                  <p:stCondLst>
+                                    <p:cond delay="0"/>
+                                  </p:stCondLst>
+                                  <p:childTnLst>
+                                    <p:set>
+                                      <p:cBhvr>
+                                        <p:cTn id="39" dur="1" fill="hold">
+                                          <p:stCondLst>
+                                            <p:cond delay="0"/>
+                                          </p:stCondLst>
+                                        </p:cTn>
+                                        <p:tgtEl>
+                                          <p:spTgt spid="12"/>
+                                        </p:tgtEl>
+                                        <p:attrNameLst>
+                                          <p:attrName>style.visibility</p:attrName>
+                                        </p:attrNameLst>
+                                      </p:cBhvr>
+                                      <p:to>
+                                        <p:strVal val="visible"/>
+                                      </p:to>
+                                    </p:set>
+                                    <p:animEffect transition="in" filter="fade">
+                                      <p:cBhvr>
+                                        <p:cTn id="40" dur="500"/>
+                                        <p:tgtEl>
+                                          <p:spTgt spid="12"/>
+                                        </p:tgtEl>
+                                      </p:cBhvr>
+                                    </p:animEffect>
+                                  </p:childTnLst>
+                                </p:cTn>
+                              </p:par>
+                              <p:par>
+                                <p:cTn id="41" presetID="10" presetClass="entr" presetSubtype="0" fill="hold" grpId="0" nodeType="withEffect">
+                                  <p:stCondLst>
+                                    <p:cond delay="0"/>
+                                  </p:stCondLst>
+                                  <p:childTnLst>
+                                    <p:set>
+                                      <p:cBhvr>
+                                        <p:cTn id="42" dur="1" fill="hold">
+                                          <p:stCondLst>
+                                            <p:cond delay="0"/>
+                                          </p:stCondLst>
+                                        </p:cTn>
+                                        <p:tgtEl>
+                                          <p:spTgt spid="17"/>
+                                        </p:tgtEl>
+                                        <p:attrNameLst>
+                                          <p:attrName>style.visibility</p:attrName>
+                                        </p:attrNameLst>
+                                      </p:cBhvr>
+                                      <p:to>
+                                        <p:strVal val="visible"/>
+                                      </p:to>
+                                    </p:set>
+                                    <p:animEffect transition="in" filter="fade">
+                                      <p:cBhvr>
+                                        <p:cTn id="43" dur="500"/>
+                                        <p:tgtEl>
+                                          <p:spTgt spid="17"/>
+                                        </p:tgtEl>
+                                      </p:cBhvr>
+                                    </p:animEffect>
+                                  </p:childTnLst>
+                                </p:cTn>
+                              </p:par>
+                              <p:par>
+                                <p:cTn id="44" presetID="10" presetClass="entr" presetSubtype="0" fill="hold" grpId="0" nodeType="withEffect">
+                                  <p:stCondLst>
+                                    <p:cond delay="0"/>
+                                  </p:stCondLst>
+                                  <p:childTnLst>
+                                    <p:set>
+                                      <p:cBhvr>
+                                        <p:cTn id="45" dur="1" fill="hold">
+                                          <p:stCondLst>
+                                            <p:cond delay="0"/>
+                                          </p:stCondLst>
+                                        </p:cTn>
+                                        <p:tgtEl>
+                                          <p:spTgt spid="18"/>
+                                        </p:tgtEl>
+                                        <p:attrNameLst>
+                                          <p:attrName>style.visibility</p:attrName>
+                                        </p:attrNameLst>
+                                      </p:cBhvr>
+                                      <p:to>
+                                        <p:strVal val="visible"/>
+                                      </p:to>
+                                    </p:set>
+                                    <p:animEffect transition="in" filter="fade">
+                                      <p:cBhvr>
+                                        <p:cTn id="46" dur="500"/>
+                                        <p:tgtEl>
+                                          <p:spTgt spid="18"/>
+                                        </p:tgtEl>
+                                      </p:cBhvr>
+                                    </p:animEffect>
+                                  </p:childTnLst>
+                                </p:cTn>
+                              </p:par>
+                            </p:childTnLst>
+                          </p:cTn>
+                        </p:par>
+                      </p:childTnLst>
+                    </p:cTn>
+                  </p:par>
+                  <p:par>
+                    <p:cTn id="47" fill="hold">
+                      <p:stCondLst>
+                        <p:cond delay="indefinite"/>
+                      </p:stCondLst>
+                      <p:childTnLst>
+                        <p:par>
+                          <p:cTn id="48" fill="hold">
+                            <p:stCondLst>
+                              <p:cond delay="0"/>
+                            </p:stCondLst>
+                            <p:childTnLst>
+                              <p:par>
+                                <p:cTn id="49" presetID="10" presetClass="entr" presetSubtype="0" fill="hold" nodeType="clickEffect">
+                                  <p:stCondLst>
+                                    <p:cond delay="0"/>
+                                  </p:stCondLst>
+                                  <p:childTnLst>
+                                    <p:set>
+                                      <p:cBhvr>
+                                        <p:cTn id="50" dur="1" fill="hold">
+                                          <p:stCondLst>
+                                            <p:cond delay="0"/>
+                                          </p:stCondLst>
+                                        </p:cTn>
+                                        <p:tgtEl>
+                                          <p:spTgt spid="20">
+                                            <p:txEl>
+                                              <p:pRg st="0" end="0"/>
+                                            </p:txEl>
+                                          </p:spTgt>
+                                        </p:tgtEl>
+                                        <p:attrNameLst>
+                                          <p:attrName>style.visibility</p:attrName>
+                                        </p:attrNameLst>
+                                      </p:cBhvr>
+                                      <p:to>
+                                        <p:strVal val="visible"/>
+                                      </p:to>
+                                    </p:set>
+                                    <p:animEffect transition="in" filter="fade">
+                                      <p:cBhvr>
+                                        <p:cTn id="51" dur="500"/>
+                                        <p:tgtEl>
+                                          <p:spTgt spid="20">
+                                            <p:txEl>
+                                              <p:pRg st="0" end="0"/>
+                                            </p:txEl>
+                                          </p:spTgt>
+                                        </p:tgtEl>
+                                      </p:cBhvr>
+                                    </p:animEffect>
+                                  </p:childTnLst>
+                                </p:cTn>
+                              </p:par>
+                            </p:childTnLst>
+                          </p:cTn>
+                        </p:par>
+                      </p:childTnLst>
+                    </p:cTn>
+                  </p:par>
+                </p:childTnLst>
+              </p:cTn>
+              <p:prevCondLst>
+                <p:cond evt="onPrev" delay="0">
+                  <p:tgtEl>
+                    <p:sldTgt/>
+                  </p:tgtEl>
+                </p:cond>
+              </p:prevCondLst>
+              <p:nextCondLst>
+                <p:cond evt="onNext" delay="0">
+                  <p:tgtEl>
+                    <p:sldTgt/>
+                  </p:tgtEl>
+                </p:cond>
+              </p:nextCondLst>
+            </p:seq>
+          </p:childTnLst>
+        </p:cTn>
+      </p:par>
+    </p:tnLst>
+    <p:bldLst>
+      <p:bldP spid="3" grpId="0" animBg="1"/>
+      <p:bldP spid="4" grpId="0" animBg="1"/>
+      <p:bldP spid="5" grpId="0" animBg="1"/>
+      <p:bldP spid="6" grpId="0" animBg="1"/>
+      <p:bldP spid="7" grpId="0" animBg="1"/>
+      <p:bldP spid="8" grpId="0" animBg="1"/>
+      <p:bldP spid="9" grpId="0" animBg="1"/>
+      <p:bldP spid="10" grpId="0" animBg="1"/>
+      <p:bldP spid="11" grpId="0" animBg="1"/>
+      <p:bldP spid="12" grpId="0" animBg="1"/>
+      <p:bldP spid="13" grpId="0" animBg="1"/>
+      <p:bldP spid="14" grpId="0" animBg="1"/>
+      <p:bldP spid="17" grpId="0" animBg="1"/>
+      <p:bldP spid="18" grpId="0" animBg="1"/>
+    </p:bldLst>
+  </p:timing>
+</p:sld>
+</file>
+
+<file path=ppt/slides/slide11.xml><?xml version="1.0" encoding="utf-8"?>
+<p:sld xmlns:a="http://schemas.openxmlformats.org/drawingml/2006/main" xmlns:r="http://schemas.openxmlformats.org/officeDocument/2006/relationships" xmlns:p="http://schemas.openxmlformats.org/presentationml/2006/main">
+  <p:cSld>
+    <p:spTree>
+      <p:nvGrpSpPr>
+        <p:cNvPr id="1" name=""/>
+        <p:cNvGrpSpPr/>
+        <p:nvPr/>
+      </p:nvGrpSpPr>
+      <p:grpSpPr>
+        <a:xfrm>
+          <a:off x="0" y="0"/>
+          <a:ext cx="0" cy="0"/>
+          <a:chOff x="0" y="0"/>
+          <a:chExt cx="0" cy="0"/>
+        </a:xfrm>
+      </p:grpSpPr>
+      <p:pic>
+        <p:nvPicPr>
+          <p:cNvPr id="3" name="Picture 2" descr="Chart, bubble chart&#10;&#10;Description automatically generated">
+            <a:extLst>
+              <a:ext uri="{FF2B5EF4-FFF2-40B4-BE49-F238E27FC236}">
+                <a16:creationId xmlns:a16="http://schemas.microsoft.com/office/drawing/2014/main" id="{9DFA2A9A-571F-5242-AD6C-CB7719B7BCE2}"/>
+              </a:ext>
+            </a:extLst>
+          </p:cNvPr>
+          <p:cNvPicPr>
+            <a:picLocks noChangeAspect="1"/>
+          </p:cNvPicPr>
+          <p:nvPr/>
+        </p:nvPicPr>
+        <p:blipFill>
+          <a:blip r:embed="rId2"/>
+          <a:stretch>
+            <a:fillRect/>
+          </a:stretch>
+        </p:blipFill>
+        <p:spPr>
+          <a:xfrm>
+            <a:off x="498928" y="1233714"/>
+            <a:ext cx="7716157" cy="5098782"/>
+          </a:xfrm>
+          <a:prstGeom prst="rect">
+            <a:avLst/>
+          </a:prstGeom>
+        </p:spPr>
+      </p:pic>
+      <p:sp>
+        <p:nvSpPr>
+          <p:cNvPr id="4" name="TextBox 3">
+            <a:extLst>
+              <a:ext uri="{FF2B5EF4-FFF2-40B4-BE49-F238E27FC236}">
+                <a16:creationId xmlns:a16="http://schemas.microsoft.com/office/drawing/2014/main" id="{9A770CA4-9EDC-8443-9938-3B5EC39C264C}"/>
+              </a:ext>
+            </a:extLst>
+          </p:cNvPr>
+          <p:cNvSpPr txBox="1"/>
+          <p:nvPr/>
+        </p:nvSpPr>
+        <p:spPr>
+          <a:xfrm>
+            <a:off x="0" y="137341"/>
+            <a:ext cx="12192000" cy="523220"/>
+          </a:xfrm>
+          <a:prstGeom prst="rect">
+            <a:avLst/>
+          </a:prstGeom>
+        </p:spPr>
+        <p:style>
+          <a:lnRef idx="3">
+            <a:schemeClr val="lt1"/>
+          </a:lnRef>
+          <a:fillRef idx="1">
+            <a:schemeClr val="accent3"/>
+          </a:fillRef>
+          <a:effectRef idx="1">
+            <a:schemeClr val="accent3"/>
+          </a:effectRef>
+          <a:fontRef idx="minor">
+            <a:schemeClr val="lt1"/>
+          </a:fontRef>
+        </p:style>
+        <p:txBody>
+          <a:bodyPr wrap="square" rtlCol="0">
+            <a:spAutoFit/>
+          </a:bodyPr>
+          <a:lstStyle/>
+          <a:p>
+            <a:pPr algn="ctr"/>
+            <a:r>
+              <a:rPr lang="en-US" sz="2800" dirty="0">
+                <a:solidFill>
+                  <a:schemeClr val="bg1"/>
+                </a:solidFill>
+                <a:latin typeface="Brandon Grotesque Regular" panose="020B0503020203060202" pitchFamily="34" charset="77"/>
+              </a:rPr>
+              <a:t>PAPER AND KEYWORD VISUALIZATION</a:t>
+            </a:r>
+          </a:p>
+        </p:txBody>
+      </p:sp>
+    </p:spTree>
+    <p:extLst>
+      <p:ext uri="{BB962C8B-B14F-4D97-AF65-F5344CB8AC3E}">
+        <p14:creationId xmlns:p14="http://schemas.microsoft.com/office/powerpoint/2010/main" val="2939004177"/>
+      </p:ext>
+    </p:extLst>
+  </p:cSld>
+  <p:clrMapOvr>
+    <a:masterClrMapping/>
+  </p:clrMapOvr>
+  <p:timing>
+    <p:tnLst>
+      <p:par>
+        <p:cTn id="1" dur="indefinite" restart="never" nodeType="tmRoot">
+          <p:childTnLst>
+            <p:seq concurrent="1" nextAc="seek">
+              <p:cTn id="2" dur="indefinite" nodeType="mainSeq">
+                <p:childTnLst>
+                  <p:par>
+                    <p:cTn id="3" fill="hold">
+                      <p:stCondLst>
+                        <p:cond delay="indefinite"/>
+                        <p:cond evt="onBegin" delay="0">
+                          <p:tn val="2"/>
+                        </p:cond>
+                      </p:stCondLst>
+                      <p:childTnLst>
+                        <p:par>
+                          <p:cTn id="4" fill="hold">
+                            <p:stCondLst>
+                              <p:cond delay="0"/>
+                            </p:stCondLst>
+                            <p:childTnLst>
+                              <p:par>
+                                <p:cTn id="5" presetID="10" presetClass="entr" presetSubtype="0" fill="hold" grpId="0" nodeType="withEffect">
+                                  <p:stCondLst>
+                                    <p:cond delay="0"/>
+                                  </p:stCondLst>
+                                  <p:childTnLst>
+                                    <p:set>
+                                      <p:cBhvr>
+                                        <p:cTn id="6" dur="1" fill="hold">
+                                          <p:stCondLst>
+                                            <p:cond delay="0"/>
+                                          </p:stCondLst>
+                                        </p:cTn>
+                                        <p:tgtEl>
+                                          <p:spTgt spid="4"/>
+                                        </p:tgtEl>
+                                        <p:attrNameLst>
+                                          <p:attrName>style.visibility</p:attrName>
+                                        </p:attrNameLst>
+                                      </p:cBhvr>
+                                      <p:to>
+                                        <p:strVal val="visible"/>
+                                      </p:to>
+                                    </p:set>
+                                    <p:animEffect transition="in" filter="fade">
+                                      <p:cBhvr>
+                                        <p:cTn id="7" dur="500"/>
+                                        <p:tgtEl>
+                                          <p:spTgt spid="4"/>
+                                        </p:tgtEl>
+                                      </p:cBhvr>
+                                    </p:animEffect>
+                                  </p:childTnLst>
+                                </p:cTn>
+                              </p:par>
+                              <p:par>
+                                <p:cTn id="8" presetID="10" presetClass="entr" presetSubtype="0" fill="hold" nodeType="withEffect">
+                                  <p:stCondLst>
+                                    <p:cond delay="0"/>
+                                  </p:stCondLst>
+                                  <p:childTnLst>
+                                    <p:set>
+                                      <p:cBhvr>
+                                        <p:cTn id="9" dur="1" fill="hold">
+                                          <p:stCondLst>
+                                            <p:cond delay="0"/>
+                                          </p:stCondLst>
+                                        </p:cTn>
+                                        <p:tgtEl>
+                                          <p:spTgt spid="3"/>
+                                        </p:tgtEl>
+                                        <p:attrNameLst>
+                                          <p:attrName>style.visibility</p:attrName>
+                                        </p:attrNameLst>
+                                      </p:cBhvr>
+                                      <p:to>
+                                        <p:strVal val="visible"/>
+                                      </p:to>
+                                    </p:set>
+                                    <p:animEffect transition="in" filter="fade">
+                                      <p:cBhvr>
+                                        <p:cTn id="10" dur="500"/>
+                                        <p:tgtEl>
+                                          <p:spTgt spid="3"/>
+                                        </p:tgtEl>
+                                      </p:cBhvr>
+                                    </p:animEffect>
+                                  </p:childTnLst>
+                                </p:cTn>
+                              </p:par>
+                            </p:childTnLst>
+                          </p:cTn>
+                        </p:par>
+                      </p:childTnLst>
+                    </p:cTn>
+                  </p:par>
+                </p:childTnLst>
+              </p:cTn>
+              <p:prevCondLst>
+                <p:cond evt="onPrev" delay="0">
+                  <p:tgtEl>
+                    <p:sldTgt/>
+                  </p:tgtEl>
+                </p:cond>
+              </p:prevCondLst>
+              <p:nextCondLst>
+                <p:cond evt="onNext" delay="0">
+                  <p:tgtEl>
+                    <p:sldTgt/>
+                  </p:tgtEl>
+                </p:cond>
+              </p:nextCondLst>
+            </p:seq>
+          </p:childTnLst>
+        </p:cTn>
+      </p:par>
+    </p:tnLst>
+    <p:bldLst>
+      <p:bldP spid="4" grpId="0" animBg="1"/>
+    </p:bldLst>
+  </p:timing>
 </p:sld>
 </file>
 
@@ -3430,6 +5101,60 @@
           </a:prstGeom>
         </p:spPr>
       </p:pic>
+      <p:sp>
+        <p:nvSpPr>
+          <p:cNvPr id="2" name="TextBox 1">
+            <a:extLst>
+              <a:ext uri="{FF2B5EF4-FFF2-40B4-BE49-F238E27FC236}">
+                <a16:creationId xmlns:a16="http://schemas.microsoft.com/office/drawing/2014/main" id="{3479626E-D042-D441-870E-63CAAF9E4669}"/>
+              </a:ext>
+            </a:extLst>
+          </p:cNvPr>
+          <p:cNvSpPr txBox="1"/>
+          <p:nvPr/>
+        </p:nvSpPr>
+        <p:spPr>
+          <a:xfrm>
+            <a:off x="0" y="137341"/>
+            <a:ext cx="12192000" cy="523220"/>
+          </a:xfrm>
+          <a:prstGeom prst="rect">
+            <a:avLst/>
+          </a:prstGeom>
+        </p:spPr>
+        <p:style>
+          <a:lnRef idx="3">
+            <a:schemeClr val="lt1"/>
+          </a:lnRef>
+          <a:fillRef idx="1">
+            <a:schemeClr val="accent3"/>
+          </a:fillRef>
+          <a:effectRef idx="1">
+            <a:schemeClr val="accent3"/>
+          </a:effectRef>
+          <a:fontRef idx="minor">
+            <a:schemeClr val="lt1"/>
+          </a:fontRef>
+        </p:style>
+        <p:txBody>
+          <a:bodyPr wrap="square" rtlCol="0">
+            <a:spAutoFit/>
+          </a:bodyPr>
+          <a:lstStyle/>
+          <a:p>
+            <a:pPr algn="ctr"/>
+            <a:r>
+              <a:rPr lang="en-US" sz="2800" dirty="0">
+                <a:solidFill>
+                  <a:schemeClr val="bg1"/>
+                </a:solidFill>
+                <a:latin typeface="Brandon Grotesque Regular" panose="020B0503020203060202" pitchFamily="34" charset="77"/>
+              </a:rPr>
+              <a:t>USER INPUT</a:t>
+            </a:r>
+          </a:p>
+        </p:txBody>
+      </p:sp>
     </p:spTree>
     <p:extLst>
       <p:ext uri="{BB962C8B-B14F-4D97-AF65-F5344CB8AC3E}">
@@ -3730,6 +5455,60 @@
           </a:p>
         </p:txBody>
       </p:sp>
+      <p:sp>
+        <p:nvSpPr>
+          <p:cNvPr id="6" name="TextBox 5">
+            <a:extLst>
+              <a:ext uri="{FF2B5EF4-FFF2-40B4-BE49-F238E27FC236}">
+                <a16:creationId xmlns:a16="http://schemas.microsoft.com/office/drawing/2014/main" id="{126AE14D-42A6-124B-8A01-AC199282AA49}"/>
+              </a:ext>
+            </a:extLst>
+          </p:cNvPr>
+          <p:cNvSpPr txBox="1"/>
+          <p:nvPr/>
+        </p:nvSpPr>
+        <p:spPr>
+          <a:xfrm>
+            <a:off x="0" y="137341"/>
+            <a:ext cx="12192000" cy="523220"/>
+          </a:xfrm>
+          <a:prstGeom prst="rect">
+            <a:avLst/>
+          </a:prstGeom>
+        </p:spPr>
+        <p:style>
+          <a:lnRef idx="3">
+            <a:schemeClr val="lt1"/>
+          </a:lnRef>
+          <a:fillRef idx="1">
+            <a:schemeClr val="accent3"/>
+          </a:fillRef>
+          <a:effectRef idx="1">
+            <a:schemeClr val="accent3"/>
+          </a:effectRef>
+          <a:fontRef idx="minor">
+            <a:schemeClr val="lt1"/>
+          </a:fontRef>
+        </p:style>
+        <p:txBody>
+          <a:bodyPr wrap="square" rtlCol="0">
+            <a:spAutoFit/>
+          </a:bodyPr>
+          <a:lstStyle/>
+          <a:p>
+            <a:pPr algn="ctr"/>
+            <a:r>
+              <a:rPr lang="en-US" sz="2800" dirty="0">
+                <a:solidFill>
+                  <a:schemeClr val="bg1"/>
+                </a:solidFill>
+                <a:latin typeface="Brandon Grotesque Regular" panose="020B0503020203060202" pitchFamily="34" charset="77"/>
+              </a:rPr>
+              <a:t>KEYWORDS ARE MAPPED TO MESH TERMS</a:t>
+            </a:r>
+          </a:p>
+        </p:txBody>
+      </p:sp>
     </p:spTree>
     <p:extLst>
       <p:ext uri="{BB962C8B-B14F-4D97-AF65-F5344CB8AC3E}">
@@ -3833,6 +5612,41 @@
                                   </p:childTnLst>
                                 </p:cTn>
                               </p:par>
+                              <p:par>
+                                <p:cTn id="11" presetID="10" presetClass="entr" presetSubtype="0" fill="hold" grpId="0" nodeType="withEffect">
+                                  <p:stCondLst>
+                                    <p:cond delay="0"/>
+                                  </p:stCondLst>
+                                  <p:childTnLst>
+                                    <p:set>
+                                      <p:cBhvr>
+                                        <p:cTn id="12" dur="1" fill="hold">
+                                          <p:stCondLst>
+                                            <p:cond delay="0"/>
+                                          </p:stCondLst>
+                                        </p:cTn>
+                                        <p:tgtEl>
+                                          <p:spTgt spid="6"/>
+                                        </p:tgtEl>
+                                        <p:attrNameLst>
+                                          <p:attrName>style.visibility</p:attrName>
+                                        </p:attrNameLst>
+                                      </p:cBhvr>
+                                      <p:to>
+                                        <p:strVal val="visible"/>
+                                      </p:to>
+                                    </p:set>
+                                    <p:animEffect transition="in" filter="fade">
+                                      <p:cBhvr>
+                                        <p:cTn id="13" dur="500"/>
+                                        <p:tgtEl>
+                                          <p:spTgt spid="6"/>
+                                        </p:tgtEl>
+                                      </p:cBhvr>
+                                    </p:animEffect>
+                                  </p:childTnLst>
+                                </p:cTn>
+                              </p:par>
                             </p:childTnLst>
                           </p:cTn>
                         </p:par>
@@ -3860,6 +5674,9 @@
         </p:cTn>
       </p:par>
     </p:tnLst>
+    <p:bldLst>
+      <p:bldP spid="6" grpId="0" animBg="1"/>
+    </p:bldLst>
   </p:timing>
 </p:sld>
 </file>
@@ -3909,7 +5726,7 @@
         </p:blipFill>
         <p:spPr>
           <a:xfrm>
-            <a:off x="2220399" y="2435934"/>
+            <a:off x="2286177" y="3117358"/>
             <a:ext cx="7751202" cy="3218008"/>
           </a:xfrm>
           <a:prstGeom prst="rect">
@@ -3952,6 +5769,60 @@
           </a:prstGeom>
         </p:spPr>
       </p:pic>
+      <p:sp>
+        <p:nvSpPr>
+          <p:cNvPr id="4" name="TextBox 3">
+            <a:extLst>
+              <a:ext uri="{FF2B5EF4-FFF2-40B4-BE49-F238E27FC236}">
+                <a16:creationId xmlns:a16="http://schemas.microsoft.com/office/drawing/2014/main" id="{18B0ED4C-5D1A-8145-A5BA-6853EEDFC677}"/>
+              </a:ext>
+            </a:extLst>
+          </p:cNvPr>
+          <p:cNvSpPr txBox="1"/>
+          <p:nvPr/>
+        </p:nvSpPr>
+        <p:spPr>
+          <a:xfrm>
+            <a:off x="0" y="137341"/>
+            <a:ext cx="12192000" cy="523220"/>
+          </a:xfrm>
+          <a:prstGeom prst="rect">
+            <a:avLst/>
+          </a:prstGeom>
+        </p:spPr>
+        <p:style>
+          <a:lnRef idx="3">
+            <a:schemeClr val="lt1"/>
+          </a:lnRef>
+          <a:fillRef idx="1">
+            <a:schemeClr val="accent3"/>
+          </a:fillRef>
+          <a:effectRef idx="1">
+            <a:schemeClr val="accent3"/>
+          </a:effectRef>
+          <a:fontRef idx="minor">
+            <a:schemeClr val="lt1"/>
+          </a:fontRef>
+        </p:style>
+        <p:txBody>
+          <a:bodyPr wrap="square" rtlCol="0">
+            <a:spAutoFit/>
+          </a:bodyPr>
+          <a:lstStyle/>
+          <a:p>
+            <a:pPr algn="ctr"/>
+            <a:r>
+              <a:rPr lang="en-US" sz="2800" dirty="0">
+                <a:solidFill>
+                  <a:schemeClr val="bg1"/>
+                </a:solidFill>
+                <a:latin typeface="Brandon Grotesque Regular" panose="020B0503020203060202" pitchFamily="34" charset="77"/>
+              </a:rPr>
+              <a:t>PAPERS ARE RETRIEVED USING MESH TERMS</a:t>
+            </a:r>
+          </a:p>
+        </p:txBody>
+      </p:sp>
     </p:spTree>
     <p:extLst>
       <p:ext uri="{BB962C8B-B14F-4D97-AF65-F5344CB8AC3E}">
@@ -3986,14 +5857,49 @@
                             </p:stCondLst>
                             <p:childTnLst>
                               <p:par>
-                                <p:cTn id="5" presetID="0" presetClass="path" presetSubtype="0" accel="50000" decel="50000" fill="hold" nodeType="withEffect">
+                                <p:cTn id="5" presetID="10" presetClass="entr" presetSubtype="0" fill="hold" grpId="0" nodeType="withEffect">
                                   <p:stCondLst>
                                     <p:cond delay="0"/>
                                   </p:stCondLst>
                                   <p:childTnLst>
-                                    <p:animMotion origin="layout" path="M 1.25E-6 3.33333E-6 L -0.18998 -0.23403 " pathEditMode="relative" rAng="0" ptsTypes="AA">
+                                    <p:set>
                                       <p:cBhvr>
-                                        <p:cTn id="6" dur="2000" fill="hold"/>
+                                        <p:cTn id="6" dur="1" fill="hold">
+                                          <p:stCondLst>
+                                            <p:cond delay="0"/>
+                                          </p:stCondLst>
+                                        </p:cTn>
+                                        <p:tgtEl>
+                                          <p:spTgt spid="4"/>
+                                        </p:tgtEl>
+                                        <p:attrNameLst>
+                                          <p:attrName>style.visibility</p:attrName>
+                                        </p:attrNameLst>
+                                      </p:cBhvr>
+                                      <p:to>
+                                        <p:strVal val="visible"/>
+                                      </p:to>
+                                    </p:set>
+                                    <p:animEffect transition="in" filter="fade">
+                                      <p:cBhvr>
+                                        <p:cTn id="7" dur="500"/>
+                                        <p:tgtEl>
+                                          <p:spTgt spid="4"/>
+                                        </p:tgtEl>
+                                      </p:cBhvr>
+                                    </p:animEffect>
+                                  </p:childTnLst>
+                                </p:cTn>
+                              </p:par>
+                              <p:par>
+                                <p:cTn id="8" presetID="0" presetClass="path" presetSubtype="0" accel="50000" decel="50000" fill="hold" nodeType="withEffect">
+                                  <p:stCondLst>
+                                    <p:cond delay="0"/>
+                                  </p:stCondLst>
+                                  <p:childTnLst>
+                                    <p:animMotion origin="layout" path="M 1.45833E-6 3.33333E-6 L -0.14518 -0.11135 " pathEditMode="relative" rAng="0" ptsTypes="AA">
+                                      <p:cBhvr>
+                                        <p:cTn id="9" dur="2000" fill="hold"/>
                                         <p:tgtEl>
                                           <p:spTgt spid="16"/>
                                         </p:tgtEl>
@@ -4002,7 +5908,7 @@
                                           <p:attrName>ppt_y</p:attrName>
                                         </p:attrNameLst>
                                       </p:cBhvr>
-                                      <p:rCtr x="-9505" y="-11713"/>
+                                      <p:rCtr x="-7266" y="-5579"/>
                                     </p:animMotion>
                                   </p:childTnLst>
                                 </p:cTn>
@@ -4011,20 +5917,20 @@
                           </p:cTn>
                         </p:par>
                         <p:par>
-                          <p:cTn id="7" fill="hold">
+                          <p:cTn id="10" fill="hold">
                             <p:stCondLst>
                               <p:cond delay="2000"/>
                             </p:stCondLst>
                             <p:childTnLst>
                               <p:par>
-                                <p:cTn id="8" presetID="10" presetClass="entr" presetSubtype="0" fill="hold" nodeType="afterEffect">
+                                <p:cTn id="11" presetID="10" presetClass="entr" presetSubtype="0" fill="hold" nodeType="afterEffect">
                                   <p:stCondLst>
                                     <p:cond delay="0"/>
                                   </p:stCondLst>
                                   <p:childTnLst>
                                     <p:set>
                                       <p:cBhvr>
-                                        <p:cTn id="9" dur="1" fill="hold">
+                                        <p:cTn id="12" dur="1" fill="hold">
                                           <p:stCondLst>
                                             <p:cond delay="0"/>
                                           </p:stCondLst>
@@ -4042,7 +5948,7 @@
                                     </p:set>
                                     <p:animEffect transition="in" filter="fade">
                                       <p:cBhvr>
-                                        <p:cTn id="10" dur="500"/>
+                                        <p:cTn id="13" dur="500"/>
                                         <p:tgtEl>
                                           <p:spTgt spid="10"/>
                                         </p:tgtEl>
@@ -4078,6 +5984,9 @@
         </p:cTn>
       </p:par>
     </p:tnLst>
+    <p:bldLst>
+      <p:bldP spid="4" grpId="0" animBg="1"/>
+    </p:bldLst>
   </p:timing>
 </p:sld>
 </file>
@@ -4173,10 +6082,10 @@
       </p:pic>
       <p:sp>
         <p:nvSpPr>
-          <p:cNvPr id="11" name="TextBox 10">
-            <a:extLst>
-              <a:ext uri="{FF2B5EF4-FFF2-40B4-BE49-F238E27FC236}">
-                <a16:creationId xmlns:a16="http://schemas.microsoft.com/office/drawing/2014/main" id="{0637BC90-F205-1C41-9A11-094023EE4222}"/>
+          <p:cNvPr id="5" name="TextBox 4">
+            <a:extLst>
+              <a:ext uri="{FF2B5EF4-FFF2-40B4-BE49-F238E27FC236}">
+                <a16:creationId xmlns:a16="http://schemas.microsoft.com/office/drawing/2014/main" id="{41CC283B-CB16-B245-BAD1-BFE53CA89C7C}"/>
               </a:ext>
             </a:extLst>
           </p:cNvPr>
@@ -4185,25 +6094,42 @@
         </p:nvSpPr>
         <p:spPr>
           <a:xfrm>
-            <a:off x="8995144" y="478465"/>
-            <a:ext cx="2030819" cy="584775"/>
+            <a:off x="0" y="137341"/>
+            <a:ext cx="12192000" cy="523220"/>
           </a:xfrm>
           <a:prstGeom prst="rect">
             <a:avLst/>
           </a:prstGeom>
-          <a:noFill/>
         </p:spPr>
+        <p:style>
+          <a:lnRef idx="3">
+            <a:schemeClr val="lt1"/>
+          </a:lnRef>
+          <a:fillRef idx="1">
+            <a:schemeClr val="accent3"/>
+          </a:fillRef>
+          <a:effectRef idx="1">
+            <a:schemeClr val="accent3"/>
+          </a:effectRef>
+          <a:fontRef idx="minor">
+            <a:schemeClr val="lt1"/>
+          </a:fontRef>
+        </p:style>
         <p:txBody>
           <a:bodyPr wrap="square" rtlCol="0">
             <a:spAutoFit/>
           </a:bodyPr>
           <a:lstStyle/>
           <a:p>
+            <a:pPr algn="ctr"/>
             <a:r>
-              <a:rPr lang="en-US" sz="3200" dirty="0">
+              <a:rPr lang="en-US" sz="2800" dirty="0">
+                <a:solidFill>
+                  <a:schemeClr val="bg1"/>
+                </a:solidFill>
                 <a:latin typeface="Brandon Grotesque Regular" panose="020B0503020203060202" pitchFamily="34" charset="77"/>
               </a:rPr>
-              <a:t>PageRank</a:t>
+              <a:t>A CITATION GRAPH IS BUILT</a:t>
             </a:r>
           </a:p>
         </p:txBody>
@@ -4444,33 +6370,223 @@
                       </p:childTnLst>
                     </p:cTn>
                   </p:par>
+                </p:childTnLst>
+              </p:cTn>
+              <p:prevCondLst>
+                <p:cond evt="onPrev" delay="0">
+                  <p:tgtEl>
+                    <p:sldTgt/>
+                  </p:tgtEl>
+                </p:cond>
+              </p:prevCondLst>
+              <p:nextCondLst>
+                <p:cond evt="onNext" delay="0">
+                  <p:tgtEl>
+                    <p:sldTgt/>
+                  </p:tgtEl>
+                </p:cond>
+              </p:nextCondLst>
+            </p:seq>
+          </p:childTnLst>
+        </p:cTn>
+      </p:par>
+    </p:tnLst>
+  </p:timing>
+</p:sld>
+</file>
+
+<file path=ppt/slides/slide6.xml><?xml version="1.0" encoding="utf-8"?>
+<p:sld xmlns:a="http://schemas.openxmlformats.org/drawingml/2006/main" xmlns:r="http://schemas.openxmlformats.org/officeDocument/2006/relationships" xmlns:p="http://schemas.openxmlformats.org/presentationml/2006/main">
+  <p:cSld>
+    <p:spTree>
+      <p:nvGrpSpPr>
+        <p:cNvPr id="1" name=""/>
+        <p:cNvGrpSpPr/>
+        <p:nvPr/>
+      </p:nvGrpSpPr>
+      <p:grpSpPr>
+        <a:xfrm>
+          <a:off x="0" y="0"/>
+          <a:ext cx="0" cy="0"/>
+          <a:chOff x="0" y="0"/>
+          <a:chExt cx="0" cy="0"/>
+        </a:xfrm>
+      </p:grpSpPr>
+      <p:pic>
+        <p:nvPicPr>
+          <p:cNvPr id="2" name="Graphic 1">
+            <a:extLst>
+              <a:ext uri="{FF2B5EF4-FFF2-40B4-BE49-F238E27FC236}">
+                <a16:creationId xmlns:a16="http://schemas.microsoft.com/office/drawing/2014/main" id="{CD0B7BEC-82C6-494C-96F4-30A0584E8411}"/>
+              </a:ext>
+            </a:extLst>
+          </p:cNvPr>
+          <p:cNvPicPr>
+            <a:picLocks noChangeAspect="1"/>
+          </p:cNvPicPr>
+          <p:nvPr/>
+        </p:nvPicPr>
+        <p:blipFill>
+          <a:blip r:embed="rId2">
+            <a:extLst>
+              <a:ext uri="{96DAC541-7B7A-43D3-8B79-37D633B846F1}">
+                <asvg:svgBlip xmlns:asvg="http://schemas.microsoft.com/office/drawing/2016/SVG/main" r:embed="rId3"/>
+              </a:ext>
+            </a:extLst>
+          </a:blip>
+          <a:stretch>
+            <a:fillRect/>
+          </a:stretch>
+        </p:blipFill>
+        <p:spPr>
+          <a:xfrm>
+            <a:off x="2269739" y="1561771"/>
+            <a:ext cx="7014570" cy="3682651"/>
+          </a:xfrm>
+          <a:prstGeom prst="rect">
+            <a:avLst/>
+          </a:prstGeom>
+        </p:spPr>
+      </p:pic>
+      <p:sp>
+        <p:nvSpPr>
+          <p:cNvPr id="3" name="TextBox 2">
+            <a:extLst>
+              <a:ext uri="{FF2B5EF4-FFF2-40B4-BE49-F238E27FC236}">
+                <a16:creationId xmlns:a16="http://schemas.microsoft.com/office/drawing/2014/main" id="{E1F0DEFC-AF6C-5E46-A1D9-DD090F316F4C}"/>
+              </a:ext>
+            </a:extLst>
+          </p:cNvPr>
+          <p:cNvSpPr txBox="1"/>
+          <p:nvPr/>
+        </p:nvSpPr>
+        <p:spPr>
+          <a:xfrm>
+            <a:off x="0" y="137341"/>
+            <a:ext cx="12192000" cy="523220"/>
+          </a:xfrm>
+          <a:prstGeom prst="rect">
+            <a:avLst/>
+          </a:prstGeom>
+        </p:spPr>
+        <p:style>
+          <a:lnRef idx="3">
+            <a:schemeClr val="lt1"/>
+          </a:lnRef>
+          <a:fillRef idx="1">
+            <a:schemeClr val="accent3"/>
+          </a:fillRef>
+          <a:effectRef idx="1">
+            <a:schemeClr val="accent3"/>
+          </a:effectRef>
+          <a:fontRef idx="minor">
+            <a:schemeClr val="lt1"/>
+          </a:fontRef>
+        </p:style>
+        <p:txBody>
+          <a:bodyPr wrap="square" rtlCol="0">
+            <a:spAutoFit/>
+          </a:bodyPr>
+          <a:lstStyle/>
+          <a:p>
+            <a:pPr algn="ctr"/>
+            <a:r>
+              <a:rPr lang="en-US" sz="2800" dirty="0">
+                <a:solidFill>
+                  <a:schemeClr val="bg1"/>
+                </a:solidFill>
+                <a:latin typeface="Brandon Grotesque Regular" panose="020B0503020203060202" pitchFamily="34" charset="77"/>
+              </a:rPr>
+              <a:t>PAGERANK FINDS THE MOST INFLUENTIAL PAPERS</a:t>
+            </a:r>
+          </a:p>
+        </p:txBody>
+      </p:sp>
+      <p:sp>
+        <p:nvSpPr>
+          <p:cNvPr id="4" name="TextBox 3">
+            <a:extLst>
+              <a:ext uri="{FF2B5EF4-FFF2-40B4-BE49-F238E27FC236}">
+                <a16:creationId xmlns:a16="http://schemas.microsoft.com/office/drawing/2014/main" id="{A9471E75-4277-2B4E-9692-1019D5EF6E4F}"/>
+              </a:ext>
+            </a:extLst>
+          </p:cNvPr>
+          <p:cNvSpPr txBox="1"/>
+          <p:nvPr/>
+        </p:nvSpPr>
+        <p:spPr>
+          <a:xfrm>
+            <a:off x="9333648" y="871377"/>
+            <a:ext cx="2030819" cy="584775"/>
+          </a:xfrm>
+          <a:prstGeom prst="rect">
+            <a:avLst/>
+          </a:prstGeom>
+          <a:noFill/>
+        </p:spPr>
+        <p:txBody>
+          <a:bodyPr wrap="square" rtlCol="0">
+            <a:spAutoFit/>
+          </a:bodyPr>
+          <a:lstStyle/>
+          <a:p>
+            <a:r>
+              <a:rPr lang="en-US" sz="3200" dirty="0">
+                <a:latin typeface="Brandon Grotesque Regular" panose="020B0503020203060202" pitchFamily="34" charset="77"/>
+              </a:rPr>
+              <a:t>PageRank</a:t>
+            </a:r>
+          </a:p>
+        </p:txBody>
+      </p:sp>
+    </p:spTree>
+    <p:extLst>
+      <p:ext uri="{BB962C8B-B14F-4D97-AF65-F5344CB8AC3E}">
+        <p14:creationId xmlns:p14="http://schemas.microsoft.com/office/powerpoint/2010/main" val="2988999887"/>
+      </p:ext>
+    </p:extLst>
+  </p:cSld>
+  <p:clrMapOvr>
+    <a:masterClrMapping/>
+  </p:clrMapOvr>
+  <p:timing>
+    <p:tnLst>
+      <p:par>
+        <p:cTn id="1" dur="indefinite" restart="never" nodeType="tmRoot">
+          <p:childTnLst>
+            <p:seq concurrent="1" nextAc="seek">
+              <p:cTn id="2" dur="indefinite" nodeType="mainSeq">
+                <p:childTnLst>
                   <p:par>
-                    <p:cTn id="18" fill="hold">
+                    <p:cTn id="3" fill="hold">
                       <p:stCondLst>
                         <p:cond delay="indefinite"/>
+                        <p:cond evt="onBegin" delay="0">
+                          <p:tn val="2"/>
+                        </p:cond>
                       </p:stCondLst>
                       <p:childTnLst>
                         <p:par>
-                          <p:cTn id="19" fill="hold">
+                          <p:cTn id="4" fill="hold">
                             <p:stCondLst>
                               <p:cond delay="0"/>
                             </p:stCondLst>
                             <p:childTnLst>
                               <p:par>
-                                <p:cTn id="20" presetID="10" presetClass="entr" presetSubtype="0" fill="hold" grpId="0" nodeType="clickEffect">
+                                <p:cTn id="5" presetID="10" presetClass="entr" presetSubtype="0" fill="hold" grpId="0" nodeType="withEffect">
                                   <p:stCondLst>
                                     <p:cond delay="0"/>
                                   </p:stCondLst>
                                   <p:childTnLst>
                                     <p:set>
                                       <p:cBhvr>
-                                        <p:cTn id="21" dur="1" fill="hold">
+                                        <p:cTn id="6" dur="1" fill="hold">
                                           <p:stCondLst>
                                             <p:cond delay="0"/>
                                           </p:stCondLst>
                                         </p:cTn>
                                         <p:tgtEl>
-                                          <p:spTgt spid="11"/>
+                                          <p:spTgt spid="4"/>
                                         </p:tgtEl>
                                         <p:attrNameLst>
                                           <p:attrName>style.visibility</p:attrName>
@@ -4482,9 +6598,44 @@
                                     </p:set>
                                     <p:animEffect transition="in" filter="fade">
                                       <p:cBhvr>
-                                        <p:cTn id="22" dur="1000"/>
+                                        <p:cTn id="7" dur="1000"/>
                                         <p:tgtEl>
-                                          <p:spTgt spid="11"/>
+                                          <p:spTgt spid="4"/>
+                                        </p:tgtEl>
+                                      </p:cBhvr>
+                                    </p:animEffect>
+                                  </p:childTnLst>
+                                </p:cTn>
+                              </p:par>
+                              <p:par>
+                                <p:cTn id="8" presetID="10" presetClass="entr" presetSubtype="0" fill="hold" nodeType="withEffect">
+                                  <p:stCondLst>
+                                    <p:cond delay="0"/>
+                                  </p:stCondLst>
+                                  <p:childTnLst>
+                                    <p:set>
+                                      <p:cBhvr>
+                                        <p:cTn id="9" dur="1" fill="hold">
+                                          <p:stCondLst>
+                                            <p:cond delay="0"/>
+                                          </p:stCondLst>
+                                        </p:cTn>
+                                        <p:tgtEl>
+                                          <p:spTgt spid="2"/>
+                                        </p:tgtEl>
+                                        <p:attrNameLst>
+                                          <p:attrName>style.visibility</p:attrName>
+                                        </p:attrNameLst>
+                                      </p:cBhvr>
+                                      <p:to>
+                                        <p:strVal val="visible"/>
+                                      </p:to>
+                                    </p:set>
+                                    <p:animEffect transition="in" filter="fade">
+                                      <p:cBhvr>
+                                        <p:cTn id="10" dur="500"/>
+                                        <p:tgtEl>
+                                          <p:spTgt spid="2"/>
                                         </p:tgtEl>
                                       </p:cBhvr>
                                     </p:animEffect>
@@ -4519,75 +6670,9 @@
       </p:par>
     </p:tnLst>
     <p:bldLst>
-      <p:bldP spid="11" grpId="0"/>
+      <p:bldP spid="4" grpId="0"/>
     </p:bldLst>
   </p:timing>
-</p:sld>
-</file>
-
-<file path=ppt/slides/slide6.xml><?xml version="1.0" encoding="utf-8"?>
-<p:sld xmlns:a="http://schemas.openxmlformats.org/drawingml/2006/main" xmlns:r="http://schemas.openxmlformats.org/officeDocument/2006/relationships" xmlns:p="http://schemas.openxmlformats.org/presentationml/2006/main">
-  <p:cSld>
-    <p:spTree>
-      <p:nvGrpSpPr>
-        <p:cNvPr id="1" name=""/>
-        <p:cNvGrpSpPr/>
-        <p:nvPr/>
-      </p:nvGrpSpPr>
-      <p:grpSpPr>
-        <a:xfrm>
-          <a:off x="0" y="0"/>
-          <a:ext cx="0" cy="0"/>
-          <a:chOff x="0" y="0"/>
-          <a:chExt cx="0" cy="0"/>
-        </a:xfrm>
-      </p:grpSpPr>
-      <p:pic>
-        <p:nvPicPr>
-          <p:cNvPr id="2" name="Graphic 1">
-            <a:extLst>
-              <a:ext uri="{FF2B5EF4-FFF2-40B4-BE49-F238E27FC236}">
-                <a16:creationId xmlns:a16="http://schemas.microsoft.com/office/drawing/2014/main" id="{CD0B7BEC-82C6-494C-96F4-30A0584E8411}"/>
-              </a:ext>
-            </a:extLst>
-          </p:cNvPr>
-          <p:cNvPicPr>
-            <a:picLocks noChangeAspect="1"/>
-          </p:cNvPicPr>
-          <p:nvPr/>
-        </p:nvPicPr>
-        <p:blipFill>
-          <a:blip r:embed="rId2">
-            <a:extLst>
-              <a:ext uri="{96DAC541-7B7A-43D3-8B79-37D633B846F1}">
-                <asvg:svgBlip xmlns:asvg="http://schemas.microsoft.com/office/drawing/2016/SVG/main" r:embed="rId3"/>
-              </a:ext>
-            </a:extLst>
-          </a:blip>
-          <a:stretch>
-            <a:fillRect/>
-          </a:stretch>
-        </p:blipFill>
-        <p:spPr>
-          <a:xfrm>
-            <a:off x="2269739" y="1561771"/>
-            <a:ext cx="7014570" cy="3682651"/>
-          </a:xfrm>
-          <a:prstGeom prst="rect">
-            <a:avLst/>
-          </a:prstGeom>
-        </p:spPr>
-      </p:pic>
-    </p:spTree>
-    <p:extLst>
-      <p:ext uri="{BB962C8B-B14F-4D97-AF65-F5344CB8AC3E}">
-        <p14:creationId xmlns:p14="http://schemas.microsoft.com/office/powerpoint/2010/main" val="2988999887"/>
-      </p:ext>
-    </p:extLst>
-  </p:cSld>
-  <p:clrMapOvr>
-    <a:masterClrMapping/>
-  </p:clrMapOvr>
 </p:sld>
 </file>
 
@@ -4680,6 +6765,60 @@
           </a:prstGeom>
         </p:spPr>
       </p:pic>
+      <p:sp>
+        <p:nvSpPr>
+          <p:cNvPr id="4" name="TextBox 3">
+            <a:extLst>
+              <a:ext uri="{FF2B5EF4-FFF2-40B4-BE49-F238E27FC236}">
+                <a16:creationId xmlns:a16="http://schemas.microsoft.com/office/drawing/2014/main" id="{C7D4A3E7-7D8B-F642-96C7-12B01C0A4B85}"/>
+              </a:ext>
+            </a:extLst>
+          </p:cNvPr>
+          <p:cNvSpPr txBox="1"/>
+          <p:nvPr/>
+        </p:nvSpPr>
+        <p:spPr>
+          <a:xfrm>
+            <a:off x="0" y="137341"/>
+            <a:ext cx="12192000" cy="523220"/>
+          </a:xfrm>
+          <a:prstGeom prst="rect">
+            <a:avLst/>
+          </a:prstGeom>
+        </p:spPr>
+        <p:style>
+          <a:lnRef idx="3">
+            <a:schemeClr val="lt1"/>
+          </a:lnRef>
+          <a:fillRef idx="1">
+            <a:schemeClr val="accent3"/>
+          </a:fillRef>
+          <a:effectRef idx="1">
+            <a:schemeClr val="accent3"/>
+          </a:effectRef>
+          <a:fontRef idx="minor">
+            <a:schemeClr val="lt1"/>
+          </a:fontRef>
+        </p:style>
+        <p:txBody>
+          <a:bodyPr wrap="square" rtlCol="0">
+            <a:spAutoFit/>
+          </a:bodyPr>
+          <a:lstStyle/>
+          <a:p>
+            <a:pPr algn="ctr"/>
+            <a:r>
+              <a:rPr lang="en-US" sz="2800" dirty="0">
+                <a:solidFill>
+                  <a:schemeClr val="bg1"/>
+                </a:solidFill>
+                <a:latin typeface="Brandon Grotesque Regular" panose="020B0503020203060202" pitchFamily="34" charset="77"/>
+              </a:rPr>
+              <a:t>PAGERANK FINDS THE MOST INFLUENTIAL PAPERS</a:t>
+            </a:r>
+          </a:p>
+        </p:txBody>
+      </p:sp>
     </p:spTree>
     <p:extLst>
       <p:ext uri="{BB962C8B-B14F-4D97-AF65-F5344CB8AC3E}">
@@ -4796,6 +6935,797 @@
           <a:chExt cx="0" cy="0"/>
         </a:xfrm>
       </p:grpSpPr>
+      <p:pic>
+        <p:nvPicPr>
+          <p:cNvPr id="5" name="Graphic 4">
+            <a:extLst>
+              <a:ext uri="{FF2B5EF4-FFF2-40B4-BE49-F238E27FC236}">
+                <a16:creationId xmlns:a16="http://schemas.microsoft.com/office/drawing/2014/main" id="{AE4F6FEE-C00E-3546-B73C-0E1B4DD55615}"/>
+              </a:ext>
+            </a:extLst>
+          </p:cNvPr>
+          <p:cNvPicPr>
+            <a:picLocks noChangeAspect="1"/>
+          </p:cNvPicPr>
+          <p:nvPr/>
+        </p:nvPicPr>
+        <p:blipFill>
+          <a:blip r:embed="rId2">
+            <a:extLst>
+              <a:ext uri="{96DAC541-7B7A-43D3-8B79-37D633B846F1}">
+                <asvg:svgBlip xmlns:asvg="http://schemas.microsoft.com/office/drawing/2016/SVG/main" r:embed="rId3"/>
+              </a:ext>
+            </a:extLst>
+          </a:blip>
+          <a:stretch>
+            <a:fillRect/>
+          </a:stretch>
+        </p:blipFill>
+        <p:spPr>
+          <a:xfrm>
+            <a:off x="2269739" y="1128409"/>
+            <a:ext cx="9460935" cy="4345022"/>
+          </a:xfrm>
+          <a:prstGeom prst="rect">
+            <a:avLst/>
+          </a:prstGeom>
+        </p:spPr>
+      </p:pic>
+      <p:pic>
+        <p:nvPicPr>
+          <p:cNvPr id="3" name="Graphic 2">
+            <a:extLst>
+              <a:ext uri="{FF2B5EF4-FFF2-40B4-BE49-F238E27FC236}">
+                <a16:creationId xmlns:a16="http://schemas.microsoft.com/office/drawing/2014/main" id="{135C4F9D-CCCC-E14A-B98A-49A8153932FF}"/>
+              </a:ext>
+            </a:extLst>
+          </p:cNvPr>
+          <p:cNvPicPr>
+            <a:picLocks noChangeAspect="1"/>
+          </p:cNvPicPr>
+          <p:nvPr/>
+        </p:nvPicPr>
+        <p:blipFill>
+          <a:blip r:embed="rId4">
+            <a:extLst>
+              <a:ext uri="{96DAC541-7B7A-43D3-8B79-37D633B846F1}">
+                <asvg:svgBlip xmlns:asvg="http://schemas.microsoft.com/office/drawing/2016/SVG/main" r:embed="rId5"/>
+              </a:ext>
+            </a:extLst>
+          </a:blip>
+          <a:stretch>
+            <a:fillRect/>
+          </a:stretch>
+        </p:blipFill>
+        <p:spPr>
+          <a:xfrm>
+            <a:off x="2269739" y="1561771"/>
+            <a:ext cx="7014570" cy="3682651"/>
+          </a:xfrm>
+          <a:prstGeom prst="rect">
+            <a:avLst/>
+          </a:prstGeom>
+        </p:spPr>
+      </p:pic>
+      <p:sp>
+        <p:nvSpPr>
+          <p:cNvPr id="6" name="TextBox 5">
+            <a:extLst>
+              <a:ext uri="{FF2B5EF4-FFF2-40B4-BE49-F238E27FC236}">
+                <a16:creationId xmlns:a16="http://schemas.microsoft.com/office/drawing/2014/main" id="{1B44E561-981F-F440-87FD-DC3FFA9C4C6E}"/>
+              </a:ext>
+            </a:extLst>
+          </p:cNvPr>
+          <p:cNvSpPr txBox="1"/>
+          <p:nvPr/>
+        </p:nvSpPr>
+        <p:spPr>
+          <a:xfrm>
+            <a:off x="8051469" y="1870530"/>
+            <a:ext cx="3465449" cy="523220"/>
+          </a:xfrm>
+          <a:prstGeom prst="rect">
+            <a:avLst/>
+          </a:prstGeom>
+          <a:noFill/>
+        </p:spPr>
+        <p:txBody>
+          <a:bodyPr wrap="square" rtlCol="0">
+            <a:spAutoFit/>
+          </a:bodyPr>
+          <a:lstStyle/>
+          <a:p>
+            <a:r>
+              <a:rPr lang="en-US" sz="2800" dirty="0">
+                <a:latin typeface="Brandon Grotesque Regular" panose="020B0503020203060202" pitchFamily="34" charset="77"/>
+              </a:rPr>
+              <a:t>Recommended authors</a:t>
+            </a:r>
+          </a:p>
+        </p:txBody>
+      </p:sp>
+      <p:cxnSp>
+        <p:nvCxnSpPr>
+          <p:cNvPr id="8" name="Straight Arrow Connector 7">
+            <a:extLst>
+              <a:ext uri="{FF2B5EF4-FFF2-40B4-BE49-F238E27FC236}">
+                <a16:creationId xmlns:a16="http://schemas.microsoft.com/office/drawing/2014/main" id="{DA618343-55B3-3049-8820-564E51F022D2}"/>
+              </a:ext>
+            </a:extLst>
+          </p:cNvPr>
+          <p:cNvCxnSpPr>
+            <a:cxnSpLocks/>
+          </p:cNvCxnSpPr>
+          <p:nvPr/>
+        </p:nvCxnSpPr>
+        <p:spPr>
+          <a:xfrm>
+            <a:off x="6241143" y="1994277"/>
+            <a:ext cx="1715325" cy="48279"/>
+          </a:xfrm>
+          <a:prstGeom prst="straightConnector1">
+            <a:avLst/>
+          </a:prstGeom>
+          <a:ln>
+            <a:tailEnd type="triangle"/>
+          </a:ln>
+        </p:spPr>
+        <p:style>
+          <a:lnRef idx="3">
+            <a:schemeClr val="dk1"/>
+          </a:lnRef>
+          <a:fillRef idx="0">
+            <a:schemeClr val="dk1"/>
+          </a:fillRef>
+          <a:effectRef idx="2">
+            <a:schemeClr val="dk1"/>
+          </a:effectRef>
+          <a:fontRef idx="minor">
+            <a:schemeClr val="tx1"/>
+          </a:fontRef>
+        </p:style>
+      </p:cxnSp>
+      <p:cxnSp>
+        <p:nvCxnSpPr>
+          <p:cNvPr id="13" name="Straight Arrow Connector 12">
+            <a:extLst>
+              <a:ext uri="{FF2B5EF4-FFF2-40B4-BE49-F238E27FC236}">
+                <a16:creationId xmlns:a16="http://schemas.microsoft.com/office/drawing/2014/main" id="{15B784D6-A06D-CB47-9E32-2D29F64A7E3D}"/>
+              </a:ext>
+            </a:extLst>
+          </p:cNvPr>
+          <p:cNvCxnSpPr>
+            <a:cxnSpLocks/>
+          </p:cNvCxnSpPr>
+          <p:nvPr/>
+        </p:nvCxnSpPr>
+        <p:spPr>
+          <a:xfrm flipV="1">
+            <a:off x="4140532" y="2132142"/>
+            <a:ext cx="3780310" cy="378262"/>
+          </a:xfrm>
+          <a:prstGeom prst="straightConnector1">
+            <a:avLst/>
+          </a:prstGeom>
+          <a:ln>
+            <a:tailEnd type="triangle"/>
+          </a:ln>
+        </p:spPr>
+        <p:style>
+          <a:lnRef idx="3">
+            <a:schemeClr val="dk1"/>
+          </a:lnRef>
+          <a:fillRef idx="0">
+            <a:schemeClr val="dk1"/>
+          </a:fillRef>
+          <a:effectRef idx="2">
+            <a:schemeClr val="dk1"/>
+          </a:effectRef>
+          <a:fontRef idx="minor">
+            <a:schemeClr val="tx1"/>
+          </a:fontRef>
+        </p:style>
+      </p:cxnSp>
+      <p:cxnSp>
+        <p:nvCxnSpPr>
+          <p:cNvPr id="18" name="Straight Arrow Connector 17">
+            <a:extLst>
+              <a:ext uri="{FF2B5EF4-FFF2-40B4-BE49-F238E27FC236}">
+                <a16:creationId xmlns:a16="http://schemas.microsoft.com/office/drawing/2014/main" id="{D884D8A9-32DA-B242-A74C-5D124947A3AA}"/>
+              </a:ext>
+            </a:extLst>
+          </p:cNvPr>
+          <p:cNvCxnSpPr>
+            <a:cxnSpLocks/>
+          </p:cNvCxnSpPr>
+          <p:nvPr/>
+        </p:nvCxnSpPr>
+        <p:spPr>
+          <a:xfrm flipV="1">
+            <a:off x="6604000" y="2256318"/>
+            <a:ext cx="1352468" cy="824457"/>
+          </a:xfrm>
+          <a:prstGeom prst="straightConnector1">
+            <a:avLst/>
+          </a:prstGeom>
+          <a:ln>
+            <a:tailEnd type="triangle"/>
+          </a:ln>
+        </p:spPr>
+        <p:style>
+          <a:lnRef idx="3">
+            <a:schemeClr val="dk1"/>
+          </a:lnRef>
+          <a:fillRef idx="0">
+            <a:schemeClr val="dk1"/>
+          </a:fillRef>
+          <a:effectRef idx="2">
+            <a:schemeClr val="dk1"/>
+          </a:effectRef>
+          <a:fontRef idx="minor">
+            <a:schemeClr val="tx1"/>
+          </a:fontRef>
+        </p:style>
+      </p:cxnSp>
+      <p:cxnSp>
+        <p:nvCxnSpPr>
+          <p:cNvPr id="21" name="Straight Arrow Connector 20">
+            <a:extLst>
+              <a:ext uri="{FF2B5EF4-FFF2-40B4-BE49-F238E27FC236}">
+                <a16:creationId xmlns:a16="http://schemas.microsoft.com/office/drawing/2014/main" id="{57357F17-21E3-DF41-9C33-8219B528E0F5}"/>
+              </a:ext>
+            </a:extLst>
+          </p:cNvPr>
+          <p:cNvCxnSpPr>
+            <a:cxnSpLocks/>
+          </p:cNvCxnSpPr>
+          <p:nvPr/>
+        </p:nvCxnSpPr>
+        <p:spPr>
+          <a:xfrm flipV="1">
+            <a:off x="4920343" y="2190309"/>
+            <a:ext cx="3000499" cy="1089920"/>
+          </a:xfrm>
+          <a:prstGeom prst="straightConnector1">
+            <a:avLst/>
+          </a:prstGeom>
+          <a:ln>
+            <a:tailEnd type="triangle"/>
+          </a:ln>
+        </p:spPr>
+        <p:style>
+          <a:lnRef idx="3">
+            <a:schemeClr val="dk1"/>
+          </a:lnRef>
+          <a:fillRef idx="0">
+            <a:schemeClr val="dk1"/>
+          </a:fillRef>
+          <a:effectRef idx="2">
+            <a:schemeClr val="dk1"/>
+          </a:effectRef>
+          <a:fontRef idx="minor">
+            <a:schemeClr val="tx1"/>
+          </a:fontRef>
+        </p:style>
+      </p:cxnSp>
+      <p:sp>
+        <p:nvSpPr>
+          <p:cNvPr id="27" name="TextBox 26">
+            <a:extLst>
+              <a:ext uri="{FF2B5EF4-FFF2-40B4-BE49-F238E27FC236}">
+                <a16:creationId xmlns:a16="http://schemas.microsoft.com/office/drawing/2014/main" id="{AAA693D6-AE3F-3046-B13A-89C7DA99094E}"/>
+              </a:ext>
+            </a:extLst>
+          </p:cNvPr>
+          <p:cNvSpPr txBox="1"/>
+          <p:nvPr/>
+        </p:nvSpPr>
+        <p:spPr>
+          <a:xfrm>
+            <a:off x="0" y="137341"/>
+            <a:ext cx="12192000" cy="523220"/>
+          </a:xfrm>
+          <a:prstGeom prst="rect">
+            <a:avLst/>
+          </a:prstGeom>
+        </p:spPr>
+        <p:style>
+          <a:lnRef idx="3">
+            <a:schemeClr val="lt1"/>
+          </a:lnRef>
+          <a:fillRef idx="1">
+            <a:schemeClr val="accent3"/>
+          </a:fillRef>
+          <a:effectRef idx="1">
+            <a:schemeClr val="accent3"/>
+          </a:effectRef>
+          <a:fontRef idx="minor">
+            <a:schemeClr val="lt1"/>
+          </a:fontRef>
+        </p:style>
+        <p:txBody>
+          <a:bodyPr wrap="square" rtlCol="0">
+            <a:spAutoFit/>
+          </a:bodyPr>
+          <a:lstStyle/>
+          <a:p>
+            <a:pPr algn="ctr"/>
+            <a:r>
+              <a:rPr lang="en-US" sz="2800" dirty="0">
+                <a:solidFill>
+                  <a:schemeClr val="bg1"/>
+                </a:solidFill>
+                <a:latin typeface="Brandon Grotesque Regular" panose="020B0503020203060202" pitchFamily="34" charset="77"/>
+              </a:rPr>
+              <a:t>THE MOST INFLUENTIAL AUTHORS ARE RETRIEVED</a:t>
+            </a:r>
+          </a:p>
+        </p:txBody>
+      </p:sp>
+    </p:spTree>
+    <p:extLst>
+      <p:ext uri="{BB962C8B-B14F-4D97-AF65-F5344CB8AC3E}">
+        <p14:creationId xmlns:p14="http://schemas.microsoft.com/office/powerpoint/2010/main" val="4124347564"/>
+      </p:ext>
+    </p:extLst>
+  </p:cSld>
+  <p:clrMapOvr>
+    <a:masterClrMapping/>
+  </p:clrMapOvr>
+  <p:timing>
+    <p:tnLst>
+      <p:par>
+        <p:cTn id="1" dur="indefinite" restart="never" nodeType="tmRoot">
+          <p:childTnLst>
+            <p:seq concurrent="1" nextAc="seek">
+              <p:cTn id="2" dur="indefinite" nodeType="mainSeq">
+                <p:childTnLst>
+                  <p:par>
+                    <p:cTn id="3" fill="hold">
+                      <p:stCondLst>
+                        <p:cond delay="indefinite"/>
+                        <p:cond evt="onBegin" delay="0">
+                          <p:tn val="2"/>
+                        </p:cond>
+                      </p:stCondLst>
+                      <p:childTnLst>
+                        <p:par>
+                          <p:cTn id="4" fill="hold">
+                            <p:stCondLst>
+                              <p:cond delay="0"/>
+                            </p:stCondLst>
+                            <p:childTnLst>
+                              <p:par>
+                                <p:cTn id="5" presetID="6" presetClass="emph" presetSubtype="0" fill="hold" nodeType="withEffect">
+                                  <p:stCondLst>
+                                    <p:cond delay="0"/>
+                                  </p:stCondLst>
+                                  <p:childTnLst>
+                                    <p:animScale>
+                                      <p:cBhvr>
+                                        <p:cTn id="6" dur="2000" fill="hold"/>
+                                        <p:tgtEl>
+                                          <p:spTgt spid="3"/>
+                                        </p:tgtEl>
+                                      </p:cBhvr>
+                                      <p:by x="75000" y="75000"/>
+                                    </p:animScale>
+                                  </p:childTnLst>
+                                </p:cTn>
+                              </p:par>
+                              <p:par>
+                                <p:cTn id="7" presetID="0" presetClass="path" presetSubtype="0" accel="50000" decel="50000" fill="hold" nodeType="withEffect">
+                                  <p:stCondLst>
+                                    <p:cond delay="0"/>
+                                  </p:stCondLst>
+                                  <p:childTnLst>
+                                    <p:animMotion origin="layout" path="M 0.1125 0.0037 L -0.14883 -0.14723 " pathEditMode="relative" rAng="0" ptsTypes="AA">
+                                      <p:cBhvr>
+                                        <p:cTn id="8" dur="2000" fill="hold"/>
+                                        <p:tgtEl>
+                                          <p:spTgt spid="3"/>
+                                        </p:tgtEl>
+                                        <p:attrNameLst>
+                                          <p:attrName>ppt_x</p:attrName>
+                                          <p:attrName>ppt_y</p:attrName>
+                                        </p:attrNameLst>
+                                      </p:cBhvr>
+                                      <p:rCtr x="-13073" y="-7546"/>
+                                    </p:animMotion>
+                                  </p:childTnLst>
+                                </p:cTn>
+                              </p:par>
+                              <p:par>
+                                <p:cTn id="9" presetID="10" presetClass="exit" presetSubtype="0" fill="hold" nodeType="withEffect">
+                                  <p:stCondLst>
+                                    <p:cond delay="0"/>
+                                  </p:stCondLst>
+                                  <p:childTnLst>
+                                    <p:animEffect transition="out" filter="fade">
+                                      <p:cBhvr>
+                                        <p:cTn id="10" dur="500"/>
+                                        <p:tgtEl>
+                                          <p:spTgt spid="5"/>
+                                        </p:tgtEl>
+                                      </p:cBhvr>
+                                    </p:animEffect>
+                                    <p:set>
+                                      <p:cBhvr>
+                                        <p:cTn id="11" dur="1" fill="hold">
+                                          <p:stCondLst>
+                                            <p:cond delay="499"/>
+                                          </p:stCondLst>
+                                        </p:cTn>
+                                        <p:tgtEl>
+                                          <p:spTgt spid="5"/>
+                                        </p:tgtEl>
+                                        <p:attrNameLst>
+                                          <p:attrName>style.visibility</p:attrName>
+                                        </p:attrNameLst>
+                                      </p:cBhvr>
+                                      <p:to>
+                                        <p:strVal val="hidden"/>
+                                      </p:to>
+                                    </p:set>
+                                  </p:childTnLst>
+                                </p:cTn>
+                              </p:par>
+                            </p:childTnLst>
+                          </p:cTn>
+                        </p:par>
+                        <p:par>
+                          <p:cTn id="12" fill="hold">
+                            <p:stCondLst>
+                              <p:cond delay="2000"/>
+                            </p:stCondLst>
+                            <p:childTnLst>
+                              <p:par>
+                                <p:cTn id="13" presetID="10" presetClass="entr" presetSubtype="0" fill="hold" grpId="0" nodeType="afterEffect">
+                                  <p:stCondLst>
+                                    <p:cond delay="0"/>
+                                  </p:stCondLst>
+                                  <p:childTnLst>
+                                    <p:set>
+                                      <p:cBhvr>
+                                        <p:cTn id="14" dur="1" fill="hold">
+                                          <p:stCondLst>
+                                            <p:cond delay="0"/>
+                                          </p:stCondLst>
+                                        </p:cTn>
+                                        <p:tgtEl>
+                                          <p:spTgt spid="6"/>
+                                        </p:tgtEl>
+                                        <p:attrNameLst>
+                                          <p:attrName>style.visibility</p:attrName>
+                                        </p:attrNameLst>
+                                      </p:cBhvr>
+                                      <p:to>
+                                        <p:strVal val="visible"/>
+                                      </p:to>
+                                    </p:set>
+                                    <p:animEffect transition="in" filter="fade">
+                                      <p:cBhvr>
+                                        <p:cTn id="15" dur="1000"/>
+                                        <p:tgtEl>
+                                          <p:spTgt spid="6"/>
+                                        </p:tgtEl>
+                                      </p:cBhvr>
+                                    </p:animEffect>
+                                  </p:childTnLst>
+                                </p:cTn>
+                              </p:par>
+                              <p:par>
+                                <p:cTn id="16" presetID="10" presetClass="entr" presetSubtype="0" fill="hold" nodeType="withEffect">
+                                  <p:stCondLst>
+                                    <p:cond delay="0"/>
+                                  </p:stCondLst>
+                                  <p:childTnLst>
+                                    <p:set>
+                                      <p:cBhvr>
+                                        <p:cTn id="17" dur="1" fill="hold">
+                                          <p:stCondLst>
+                                            <p:cond delay="0"/>
+                                          </p:stCondLst>
+                                        </p:cTn>
+                                        <p:tgtEl>
+                                          <p:spTgt spid="21"/>
+                                        </p:tgtEl>
+                                        <p:attrNameLst>
+                                          <p:attrName>style.visibility</p:attrName>
+                                        </p:attrNameLst>
+                                      </p:cBhvr>
+                                      <p:to>
+                                        <p:strVal val="visible"/>
+                                      </p:to>
+                                    </p:set>
+                                    <p:animEffect transition="in" filter="fade">
+                                      <p:cBhvr>
+                                        <p:cTn id="18" dur="500"/>
+                                        <p:tgtEl>
+                                          <p:spTgt spid="21"/>
+                                        </p:tgtEl>
+                                      </p:cBhvr>
+                                    </p:animEffect>
+                                  </p:childTnLst>
+                                </p:cTn>
+                              </p:par>
+                              <p:par>
+                                <p:cTn id="19" presetID="10" presetClass="entr" presetSubtype="0" fill="hold" nodeType="withEffect">
+                                  <p:stCondLst>
+                                    <p:cond delay="0"/>
+                                  </p:stCondLst>
+                                  <p:childTnLst>
+                                    <p:set>
+                                      <p:cBhvr>
+                                        <p:cTn id="20" dur="1" fill="hold">
+                                          <p:stCondLst>
+                                            <p:cond delay="0"/>
+                                          </p:stCondLst>
+                                        </p:cTn>
+                                        <p:tgtEl>
+                                          <p:spTgt spid="13"/>
+                                        </p:tgtEl>
+                                        <p:attrNameLst>
+                                          <p:attrName>style.visibility</p:attrName>
+                                        </p:attrNameLst>
+                                      </p:cBhvr>
+                                      <p:to>
+                                        <p:strVal val="visible"/>
+                                      </p:to>
+                                    </p:set>
+                                    <p:animEffect transition="in" filter="fade">
+                                      <p:cBhvr>
+                                        <p:cTn id="21" dur="500"/>
+                                        <p:tgtEl>
+                                          <p:spTgt spid="13"/>
+                                        </p:tgtEl>
+                                      </p:cBhvr>
+                                    </p:animEffect>
+                                  </p:childTnLst>
+                                </p:cTn>
+                              </p:par>
+                              <p:par>
+                                <p:cTn id="22" presetID="10" presetClass="entr" presetSubtype="0" fill="hold" nodeType="withEffect">
+                                  <p:stCondLst>
+                                    <p:cond delay="0"/>
+                                  </p:stCondLst>
+                                  <p:childTnLst>
+                                    <p:set>
+                                      <p:cBhvr>
+                                        <p:cTn id="23" dur="1" fill="hold">
+                                          <p:stCondLst>
+                                            <p:cond delay="0"/>
+                                          </p:stCondLst>
+                                        </p:cTn>
+                                        <p:tgtEl>
+                                          <p:spTgt spid="18"/>
+                                        </p:tgtEl>
+                                        <p:attrNameLst>
+                                          <p:attrName>style.visibility</p:attrName>
+                                        </p:attrNameLst>
+                                      </p:cBhvr>
+                                      <p:to>
+                                        <p:strVal val="visible"/>
+                                      </p:to>
+                                    </p:set>
+                                    <p:animEffect transition="in" filter="fade">
+                                      <p:cBhvr>
+                                        <p:cTn id="24" dur="500"/>
+                                        <p:tgtEl>
+                                          <p:spTgt spid="18"/>
+                                        </p:tgtEl>
+                                      </p:cBhvr>
+                                    </p:animEffect>
+                                  </p:childTnLst>
+                                </p:cTn>
+                              </p:par>
+                              <p:par>
+                                <p:cTn id="25" presetID="10" presetClass="entr" presetSubtype="0" fill="hold" nodeType="withEffect">
+                                  <p:stCondLst>
+                                    <p:cond delay="0"/>
+                                  </p:stCondLst>
+                                  <p:childTnLst>
+                                    <p:set>
+                                      <p:cBhvr>
+                                        <p:cTn id="26" dur="1" fill="hold">
+                                          <p:stCondLst>
+                                            <p:cond delay="0"/>
+                                          </p:stCondLst>
+                                        </p:cTn>
+                                        <p:tgtEl>
+                                          <p:spTgt spid="8"/>
+                                        </p:tgtEl>
+                                        <p:attrNameLst>
+                                          <p:attrName>style.visibility</p:attrName>
+                                        </p:attrNameLst>
+                                      </p:cBhvr>
+                                      <p:to>
+                                        <p:strVal val="visible"/>
+                                      </p:to>
+                                    </p:set>
+                                    <p:animEffect transition="in" filter="fade">
+                                      <p:cBhvr>
+                                        <p:cTn id="27" dur="500"/>
+                                        <p:tgtEl>
+                                          <p:spTgt spid="8"/>
+                                        </p:tgtEl>
+                                      </p:cBhvr>
+                                    </p:animEffect>
+                                  </p:childTnLst>
+                                </p:cTn>
+                              </p:par>
+                            </p:childTnLst>
+                          </p:cTn>
+                        </p:par>
+                      </p:childTnLst>
+                    </p:cTn>
+                  </p:par>
+                </p:childTnLst>
+              </p:cTn>
+              <p:prevCondLst>
+                <p:cond evt="onPrev" delay="0">
+                  <p:tgtEl>
+                    <p:sldTgt/>
+                  </p:tgtEl>
+                </p:cond>
+              </p:prevCondLst>
+              <p:nextCondLst>
+                <p:cond evt="onNext" delay="0">
+                  <p:tgtEl>
+                    <p:sldTgt/>
+                  </p:tgtEl>
+                </p:cond>
+              </p:nextCondLst>
+            </p:seq>
+          </p:childTnLst>
+        </p:cTn>
+      </p:par>
+    </p:tnLst>
+    <p:bldLst>
+      <p:bldP spid="6" grpId="0"/>
+    </p:bldLst>
+  </p:timing>
+</p:sld>
+</file>
+
+<file path=ppt/slides/slide9.xml><?xml version="1.0" encoding="utf-8"?>
+<p:sld xmlns:a="http://schemas.openxmlformats.org/drawingml/2006/main" xmlns:r="http://schemas.openxmlformats.org/officeDocument/2006/relationships" xmlns:p="http://schemas.openxmlformats.org/presentationml/2006/main">
+  <p:cSld>
+    <p:spTree>
+      <p:nvGrpSpPr>
+        <p:cNvPr id="1" name=""/>
+        <p:cNvGrpSpPr/>
+        <p:nvPr/>
+      </p:nvGrpSpPr>
+      <p:grpSpPr>
+        <a:xfrm>
+          <a:off x="0" y="0"/>
+          <a:ext cx="0" cy="0"/>
+          <a:chOff x="0" y="0"/>
+          <a:chExt cx="0" cy="0"/>
+        </a:xfrm>
+      </p:grpSpPr>
+      <p:sp>
+        <p:nvSpPr>
+          <p:cNvPr id="4" name="TextBox 3">
+            <a:extLst>
+              <a:ext uri="{FF2B5EF4-FFF2-40B4-BE49-F238E27FC236}">
+                <a16:creationId xmlns:a16="http://schemas.microsoft.com/office/drawing/2014/main" id="{EB14250C-CAC6-9846-A97D-946792A2B70C}"/>
+              </a:ext>
+            </a:extLst>
+          </p:cNvPr>
+          <p:cNvSpPr txBox="1"/>
+          <p:nvPr/>
+        </p:nvSpPr>
+        <p:spPr>
+          <a:xfrm>
+            <a:off x="0" y="137341"/>
+            <a:ext cx="12192000" cy="523220"/>
+          </a:xfrm>
+          <a:prstGeom prst="rect">
+            <a:avLst/>
+          </a:prstGeom>
+        </p:spPr>
+        <p:style>
+          <a:lnRef idx="3">
+            <a:schemeClr val="lt1"/>
+          </a:lnRef>
+          <a:fillRef idx="1">
+            <a:schemeClr val="accent3"/>
+          </a:fillRef>
+          <a:effectRef idx="1">
+            <a:schemeClr val="accent3"/>
+          </a:effectRef>
+          <a:fontRef idx="minor">
+            <a:schemeClr val="lt1"/>
+          </a:fontRef>
+        </p:style>
+        <p:txBody>
+          <a:bodyPr wrap="square" rtlCol="0">
+            <a:spAutoFit/>
+          </a:bodyPr>
+          <a:lstStyle/>
+          <a:p>
+            <a:pPr algn="ctr"/>
+            <a:r>
+              <a:rPr lang="en-US" sz="2800" dirty="0">
+                <a:solidFill>
+                  <a:schemeClr val="bg1"/>
+                </a:solidFill>
+                <a:latin typeface="Brandon Grotesque Regular" panose="020B0503020203060202" pitchFamily="34" charset="77"/>
+              </a:rPr>
+              <a:t>PAPER AND KEYWORD VISUALIZATION</a:t>
+            </a:r>
+          </a:p>
+        </p:txBody>
+      </p:sp>
+      <p:pic>
+        <p:nvPicPr>
+          <p:cNvPr id="8" name="Picture 7" descr="Chart&#10;&#10;Description automatically generated with medium confidence">
+            <a:extLst>
+              <a:ext uri="{FF2B5EF4-FFF2-40B4-BE49-F238E27FC236}">
+                <a16:creationId xmlns:a16="http://schemas.microsoft.com/office/drawing/2014/main" id="{32E97CD5-C4AE-124D-BFE9-F9555DF61658}"/>
+              </a:ext>
+            </a:extLst>
+          </p:cNvPr>
+          <p:cNvPicPr>
+            <a:picLocks noChangeAspect="1"/>
+          </p:cNvPicPr>
+          <p:nvPr/>
+        </p:nvPicPr>
+        <p:blipFill>
+          <a:blip r:embed="rId2"/>
+          <a:stretch>
+            <a:fillRect/>
+          </a:stretch>
+        </p:blipFill>
+        <p:spPr>
+          <a:xfrm>
+            <a:off x="408213" y="1249589"/>
+            <a:ext cx="8968016" cy="5007433"/>
+          </a:xfrm>
+          <a:prstGeom prst="rect">
+            <a:avLst/>
+          </a:prstGeom>
+        </p:spPr>
+      </p:pic>
+      <p:sp>
+        <p:nvSpPr>
+          <p:cNvPr id="9" name="TextBox 8">
+            <a:extLst>
+              <a:ext uri="{FF2B5EF4-FFF2-40B4-BE49-F238E27FC236}">
+                <a16:creationId xmlns:a16="http://schemas.microsoft.com/office/drawing/2014/main" id="{139239EF-83F9-4848-94B2-C96A0ABEB76F}"/>
+              </a:ext>
+            </a:extLst>
+          </p:cNvPr>
+          <p:cNvSpPr txBox="1"/>
+          <p:nvPr/>
+        </p:nvSpPr>
+        <p:spPr>
+          <a:xfrm>
+            <a:off x="8868229" y="1249589"/>
+            <a:ext cx="2917371" cy="461665"/>
+          </a:xfrm>
+          <a:prstGeom prst="rect">
+            <a:avLst/>
+          </a:prstGeom>
+          <a:noFill/>
+        </p:spPr>
+        <p:txBody>
+          <a:bodyPr wrap="square" rtlCol="0">
+            <a:spAutoFit/>
+          </a:bodyPr>
+          <a:lstStyle/>
+          <a:p>
+            <a:r>
+              <a:rPr lang="en-US" sz="2400" dirty="0">
+                <a:latin typeface="Brandon Grotesque Regular" panose="020B0503020203060202" pitchFamily="34" charset="77"/>
+              </a:rPr>
+              <a:t>Heterogeneous graph</a:t>
+            </a:r>
+          </a:p>
+        </p:txBody>
+      </p:sp>
     </p:spTree>
     <p:extLst>
       <p:ext uri="{BB962C8B-B14F-4D97-AF65-F5344CB8AC3E}">
@@ -4806,6 +7736,97 @@
   <p:clrMapOvr>
     <a:masterClrMapping/>
   </p:clrMapOvr>
+  <p:timing>
+    <p:tnLst>
+      <p:par>
+        <p:cTn id="1" dur="indefinite" restart="never" nodeType="tmRoot">
+          <p:childTnLst>
+            <p:seq concurrent="1" nextAc="seek">
+              <p:cTn id="2" dur="indefinite" nodeType="mainSeq">
+                <p:childTnLst>
+                  <p:par>
+                    <p:cTn id="3" fill="hold">
+                      <p:stCondLst>
+                        <p:cond delay="indefinite"/>
+                      </p:stCondLst>
+                      <p:childTnLst>
+                        <p:par>
+                          <p:cTn id="4" fill="hold">
+                            <p:stCondLst>
+                              <p:cond delay="0"/>
+                            </p:stCondLst>
+                            <p:childTnLst>
+                              <p:par>
+                                <p:cTn id="5" presetID="10" presetClass="entr" presetSubtype="0" fill="hold" nodeType="clickEffect">
+                                  <p:stCondLst>
+                                    <p:cond delay="0"/>
+                                  </p:stCondLst>
+                                  <p:childTnLst>
+                                    <p:set>
+                                      <p:cBhvr>
+                                        <p:cTn id="6" dur="1" fill="hold">
+                                          <p:stCondLst>
+                                            <p:cond delay="0"/>
+                                          </p:stCondLst>
+                                        </p:cTn>
+                                        <p:tgtEl>
+                                          <p:spTgt spid="9">
+                                            <p:txEl>
+                                              <p:pRg st="0" end="0"/>
+                                            </p:txEl>
+                                          </p:spTgt>
+                                        </p:tgtEl>
+                                        <p:attrNameLst>
+                                          <p:attrName>style.visibility</p:attrName>
+                                        </p:attrNameLst>
+                                      </p:cBhvr>
+                                      <p:to>
+                                        <p:strVal val="visible"/>
+                                      </p:to>
+                                    </p:set>
+                                    <p:animEffect transition="in" filter="fade">
+                                      <p:cBhvr>
+                                        <p:cTn id="7" dur="500"/>
+                                        <p:tgtEl>
+                                          <p:spTgt spid="9">
+                                            <p:txEl>
+                                              <p:pRg st="0" end="0"/>
+                                            </p:txEl>
+                                          </p:spTgt>
+                                        </p:tgtEl>
+                                      </p:cBhvr>
+                                    </p:animEffect>
+                                  </p:childTnLst>
+                                </p:cTn>
+                              </p:par>
+                            </p:childTnLst>
+                          </p:cTn>
+                        </p:par>
+                      </p:childTnLst>
+                    </p:cTn>
+                  </p:par>
+                </p:childTnLst>
+              </p:cTn>
+              <p:prevCondLst>
+                <p:cond evt="onPrev" delay="0">
+                  <p:tgtEl>
+                    <p:sldTgt/>
+                  </p:tgtEl>
+                </p:cond>
+              </p:prevCondLst>
+              <p:nextCondLst>
+                <p:cond evt="onNext" delay="0">
+                  <p:tgtEl>
+                    <p:sldTgt/>
+                  </p:tgtEl>
+                </p:cond>
+              </p:nextCondLst>
+            </p:seq>
+          </p:childTnLst>
+        </p:cTn>
+      </p:par>
+    </p:tnLst>
+  </p:timing>
 </p:sld>
 </file>
 
